--- a/case_study_template_2_16_9_en.pptx
+++ b/case_study_template_2_16_9_en.pptx
@@ -127,7 +127,7 @@
 <file path=ppt/revisionInfo.xml><?xml version="1.0" encoding="utf-8"?>
 <p1510:revInfo xmlns:a="http://schemas.openxmlformats.org/drawingml/2006/main" xmlns:r="http://schemas.openxmlformats.org/officeDocument/2006/relationships" xmlns:p1510="http://schemas.microsoft.com/office/powerpoint/2015/10/main">
   <p1510:revLst>
-    <p1510:client id="{CEDD6EA2-EECD-493A-A37C-E0006BFF8DD1}" v="4" dt="2024-09-03T13:33:54.963"/>
+    <p1510:client id="{CEDD6EA2-EECD-493A-A37C-E0006BFF8DD1}" v="5" dt="2024-09-06T08:57:39.335"/>
   </p1510:revLst>
 </p1510:revInfo>
 </file>
@@ -136,13 +136,13 @@
 <pc:chgInfo xmlns:a="http://schemas.openxmlformats.org/drawingml/2006/main" xmlns:r="http://schemas.openxmlformats.org/officeDocument/2006/relationships" xmlns:ac="http://schemas.microsoft.com/office/drawing/2013/main/command" xmlns:pc="http://schemas.microsoft.com/office/powerpoint/2013/main/command">
   <pc:docChgLst>
     <pc:chgData name="vonWaldow, Ulrich" userId="c64b3fe1-2fbf-4408-adc4-30add62e991f" providerId="ADAL" clId="{CEDD6EA2-EECD-493A-A37C-E0006BFF8DD1}"/>
-    <pc:docChg chg="custSel addSld delSld modSld replTag">
-      <pc:chgData name="vonWaldow, Ulrich" userId="c64b3fe1-2fbf-4408-adc4-30add62e991f" providerId="ADAL" clId="{CEDD6EA2-EECD-493A-A37C-E0006BFF8DD1}" dt="2024-09-03T13:45:48.148" v="17" actId="47"/>
+    <pc:docChg chg="custSel addSld delSld modSld modMainMaster replTag">
+      <pc:chgData name="vonWaldow, Ulrich" userId="c64b3fe1-2fbf-4408-adc4-30add62e991f" providerId="ADAL" clId="{CEDD6EA2-EECD-493A-A37C-E0006BFF8DD1}" dt="2024-09-06T08:58:07.559" v="67" actId="20577"/>
       <pc:docMkLst>
         <pc:docMk/>
       </pc:docMkLst>
       <pc:sldChg chg="modSp mod modShow">
-        <pc:chgData name="vonWaldow, Ulrich" userId="c64b3fe1-2fbf-4408-adc4-30add62e991f" providerId="ADAL" clId="{CEDD6EA2-EECD-493A-A37C-E0006BFF8DD1}" dt="2024-09-03T13:36:39.479" v="15"/>
+        <pc:chgData name="vonWaldow, Ulrich" userId="c64b3fe1-2fbf-4408-adc4-30add62e991f" providerId="ADAL" clId="{CEDD6EA2-EECD-493A-A37C-E0006BFF8DD1}" dt="2024-09-06T08:58:07.559" v="67" actId="20577"/>
         <pc:sldMkLst>
           <pc:docMk/>
           <pc:sldMk cId="2116952522" sldId="260"/>
@@ -156,7 +156,7 @@
           </ac:spMkLst>
         </pc:spChg>
         <pc:spChg chg="mod">
-          <ac:chgData name="vonWaldow, Ulrich" userId="c64b3fe1-2fbf-4408-adc4-30add62e991f" providerId="ADAL" clId="{CEDD6EA2-EECD-493A-A37C-E0006BFF8DD1}" dt="2024-09-03T13:33:54.438" v="8"/>
+          <ac:chgData name="vonWaldow, Ulrich" userId="c64b3fe1-2fbf-4408-adc4-30add62e991f" providerId="ADAL" clId="{CEDD6EA2-EECD-493A-A37C-E0006BFF8DD1}" dt="2024-09-06T08:57:30.114" v="52" actId="20577"/>
           <ac:spMkLst>
             <pc:docMk/>
             <pc:sldMk cId="2116952522" sldId="260"/>
@@ -164,7 +164,7 @@
           </ac:spMkLst>
         </pc:spChg>
         <pc:spChg chg="mod">
-          <ac:chgData name="vonWaldow, Ulrich" userId="c64b3fe1-2fbf-4408-adc4-30add62e991f" providerId="ADAL" clId="{CEDD6EA2-EECD-493A-A37C-E0006BFF8DD1}" dt="2024-09-03T13:33:54.438" v="8"/>
+          <ac:chgData name="vonWaldow, Ulrich" userId="c64b3fe1-2fbf-4408-adc4-30add62e991f" providerId="ADAL" clId="{CEDD6EA2-EECD-493A-A37C-E0006BFF8DD1}" dt="2024-09-06T08:57:25.484" v="36" actId="20577"/>
           <ac:spMkLst>
             <pc:docMk/>
             <pc:sldMk cId="2116952522" sldId="260"/>
@@ -180,7 +180,7 @@
           </ac:spMkLst>
         </pc:spChg>
         <pc:spChg chg="mod">
-          <ac:chgData name="vonWaldow, Ulrich" userId="c64b3fe1-2fbf-4408-adc4-30add62e991f" providerId="ADAL" clId="{CEDD6EA2-EECD-493A-A37C-E0006BFF8DD1}" dt="2024-09-03T13:33:54.438" v="8"/>
+          <ac:chgData name="vonWaldow, Ulrich" userId="c64b3fe1-2fbf-4408-adc4-30add62e991f" providerId="ADAL" clId="{CEDD6EA2-EECD-493A-A37C-E0006BFF8DD1}" dt="2024-09-06T08:58:07.559" v="67" actId="20577"/>
           <ac:spMkLst>
             <pc:docMk/>
             <pc:sldMk cId="2116952522" sldId="260"/>
@@ -313,6 +313,73 @@
           <pc:sldMk cId="1636317749" sldId="262"/>
         </pc:sldMkLst>
       </pc:sldChg>
+      <pc:sldMasterChg chg="delSldLayout modSldLayout">
+        <pc:chgData name="vonWaldow, Ulrich" userId="c64b3fe1-2fbf-4408-adc4-30add62e991f" providerId="ADAL" clId="{CEDD6EA2-EECD-493A-A37C-E0006BFF8DD1}" dt="2024-09-06T08:57:48.833" v="55" actId="2696"/>
+        <pc:sldMasterMkLst>
+          <pc:docMk/>
+          <pc:sldMasterMk cId="3620642421" sldId="2147483927"/>
+        </pc:sldMasterMkLst>
+        <pc:sldLayoutChg chg="modSp">
+          <pc:chgData name="vonWaldow, Ulrich" userId="c64b3fe1-2fbf-4408-adc4-30add62e991f" providerId="ADAL" clId="{CEDD6EA2-EECD-493A-A37C-E0006BFF8DD1}" dt="2024-09-06T08:57:39.335" v="53" actId="404"/>
+          <pc:sldLayoutMkLst>
+            <pc:docMk/>
+            <pc:sldMasterMk cId="3620642421" sldId="2147483927"/>
+            <pc:sldLayoutMk cId="960772129" sldId="2147483958"/>
+          </pc:sldLayoutMkLst>
+          <pc:spChg chg="mod">
+            <ac:chgData name="vonWaldow, Ulrich" userId="c64b3fe1-2fbf-4408-adc4-30add62e991f" providerId="ADAL" clId="{CEDD6EA2-EECD-493A-A37C-E0006BFF8DD1}" dt="2024-09-06T08:57:39.335" v="53" actId="404"/>
+            <ac:spMkLst>
+              <pc:docMk/>
+              <pc:sldMasterMk cId="3620642421" sldId="2147483927"/>
+              <pc:sldLayoutMk cId="960772129" sldId="2147483958"/>
+              <ac:spMk id="20" creationId="{CCC1D9B0-3E3B-6A81-82B1-B48232D64945}"/>
+            </ac:spMkLst>
+          </pc:spChg>
+          <pc:spChg chg="mod">
+            <ac:chgData name="vonWaldow, Ulrich" userId="c64b3fe1-2fbf-4408-adc4-30add62e991f" providerId="ADAL" clId="{CEDD6EA2-EECD-493A-A37C-E0006BFF8DD1}" dt="2024-09-06T08:57:39.335" v="53" actId="404"/>
+            <ac:spMkLst>
+              <pc:docMk/>
+              <pc:sldMasterMk cId="3620642421" sldId="2147483927"/>
+              <pc:sldLayoutMk cId="960772129" sldId="2147483958"/>
+              <ac:spMk id="23" creationId="{CA377B26-3BA2-4654-6FCA-6098BB9E0117}"/>
+            </ac:spMkLst>
+          </pc:spChg>
+          <pc:spChg chg="mod">
+            <ac:chgData name="vonWaldow, Ulrich" userId="c64b3fe1-2fbf-4408-adc4-30add62e991f" providerId="ADAL" clId="{CEDD6EA2-EECD-493A-A37C-E0006BFF8DD1}" dt="2024-09-06T08:57:39.335" v="53" actId="404"/>
+            <ac:spMkLst>
+              <pc:docMk/>
+              <pc:sldMasterMk cId="3620642421" sldId="2147483927"/>
+              <pc:sldLayoutMk cId="960772129" sldId="2147483958"/>
+              <ac:spMk id="25" creationId="{0D6A690C-8E97-EFC0-430C-4028B1A71B84}"/>
+            </ac:spMkLst>
+          </pc:spChg>
+          <pc:spChg chg="mod">
+            <ac:chgData name="vonWaldow, Ulrich" userId="c64b3fe1-2fbf-4408-adc4-30add62e991f" providerId="ADAL" clId="{CEDD6EA2-EECD-493A-A37C-E0006BFF8DD1}" dt="2024-09-06T08:57:39.335" v="53" actId="404"/>
+            <ac:spMkLst>
+              <pc:docMk/>
+              <pc:sldMasterMk cId="3620642421" sldId="2147483927"/>
+              <pc:sldLayoutMk cId="960772129" sldId="2147483958"/>
+              <ac:spMk id="31" creationId="{28C3A46C-1471-B32F-D881-A63D1A5126CC}"/>
+            </ac:spMkLst>
+          </pc:spChg>
+        </pc:sldLayoutChg>
+        <pc:sldLayoutChg chg="del">
+          <pc:chgData name="vonWaldow, Ulrich" userId="c64b3fe1-2fbf-4408-adc4-30add62e991f" providerId="ADAL" clId="{CEDD6EA2-EECD-493A-A37C-E0006BFF8DD1}" dt="2024-09-06T08:57:48.824" v="54" actId="2696"/>
+          <pc:sldLayoutMkLst>
+            <pc:docMk/>
+            <pc:sldMasterMk cId="3620642421" sldId="2147483927"/>
+            <pc:sldLayoutMk cId="2538349368" sldId="2147483959"/>
+          </pc:sldLayoutMkLst>
+        </pc:sldLayoutChg>
+        <pc:sldLayoutChg chg="del">
+          <pc:chgData name="vonWaldow, Ulrich" userId="c64b3fe1-2fbf-4408-adc4-30add62e991f" providerId="ADAL" clId="{CEDD6EA2-EECD-493A-A37C-E0006BFF8DD1}" dt="2024-09-06T08:57:48.833" v="55" actId="2696"/>
+          <pc:sldLayoutMkLst>
+            <pc:docMk/>
+            <pc:sldMasterMk cId="3620642421" sldId="2147483927"/>
+            <pc:sldLayoutMk cId="610450036" sldId="2147483960"/>
+          </pc:sldLayoutMkLst>
+        </pc:sldLayoutChg>
+      </pc:sldMasterChg>
     </pc:docChg>
   </pc:docChgLst>
 </pc:chgInfo>
@@ -412,7 +479,7 @@
           <a:p>
             <a:fld id="{8CADF67D-6B33-4511-8215-1BAA75E9A259}" type="datetimeFigureOut">
               <a:rPr lang="de-DE" smtClean="0"/>
-              <a:t>03.09.2024</a:t>
+              <a:t>06.09.2024</a:t>
             </a:fld>
             <a:endParaRPr lang="de-DE"/>
           </a:p>
@@ -589,7 +656,7 @@
           <a:p>
             <a:fld id="{29BB4B0D-3BE5-4B36-92D1-1D1058870271}" type="datetimeFigureOut">
               <a:rPr lang="de-DE" smtClean="0"/>
-              <a:t>03.09.2024</a:t>
+              <a:t>06.09.2024</a:t>
             </a:fld>
             <a:endParaRPr lang="de-DE"/>
           </a:p>
@@ -858,4060 +925,6 @@
 
 <file path=ppt/slideLayouts/slideLayout1.xml><?xml version="1.0" encoding="utf-8"?>
 <p:sldLayout xmlns:a="http://schemas.openxmlformats.org/drawingml/2006/main" xmlns:r="http://schemas.openxmlformats.org/officeDocument/2006/relationships" xmlns:p="http://schemas.openxmlformats.org/presentationml/2006/main" preserve="1" userDrawn="1">
-  <p:cSld name="Use Case (en)">
-    <p:spTree>
-      <p:nvGrpSpPr>
-        <p:cNvPr id="1" name=""/>
-        <p:cNvGrpSpPr/>
-        <p:nvPr/>
-      </p:nvGrpSpPr>
-      <p:grpSpPr>
-        <a:xfrm>
-          <a:off x="0" y="0"/>
-          <a:ext cx="0" cy="0"/>
-          <a:chOff x="0" y="0"/>
-          <a:chExt cx="0" cy="0"/>
-        </a:xfrm>
-      </p:grpSpPr>
-      <p:graphicFrame>
-        <p:nvGraphicFramePr>
-          <p:cNvPr id="4" name="Objekt 3" hidden="1">
-            <a:extLst>
-              <a:ext uri="{FF2B5EF4-FFF2-40B4-BE49-F238E27FC236}">
-                <a16:creationId xmlns:a16="http://schemas.microsoft.com/office/drawing/2014/main" id="{7E1283FF-1F57-7F70-DD9E-8C2D47584803}"/>
-              </a:ext>
-            </a:extLst>
-          </p:cNvPr>
-          <p:cNvGraphicFramePr>
-            <a:graphicFrameLocks noChangeAspect="1"/>
-          </p:cNvGraphicFramePr>
-          <p:nvPr userDrawn="1">
-            <p:custDataLst>
-              <p:tags r:id="rId1"/>
-            </p:custDataLst>
-            <p:extLst>
-              <p:ext uri="{D42A27DB-BD31-4B8C-83A1-F6EECF244321}">
-                <p14:modId xmlns:p14="http://schemas.microsoft.com/office/powerpoint/2010/main" val="1986413475"/>
-              </p:ext>
-            </p:extLst>
-          </p:nvPr>
-        </p:nvGraphicFramePr>
-        <p:xfrm>
-          <a:off x="1588" y="1588"/>
-          <a:ext cx="1588" cy="1588"/>
-        </p:xfrm>
-        <a:graphic>
-          <a:graphicData uri="http://schemas.openxmlformats.org/presentationml/2006/ole">
-            <mc:AlternateContent xmlns:mc="http://schemas.openxmlformats.org/markup-compatibility/2006">
-              <mc:Choice xmlns:v="urn:schemas-microsoft-com:vml" Requires="v">
-                <p:oleObj name="think-cell Folie" r:id="rId3" imgW="353" imgH="353" progId="TCLayout.ActiveDocument.1">
-                  <p:embed/>
-                </p:oleObj>
-              </mc:Choice>
-              <mc:Fallback>
-                <p:oleObj name="think-cell Folie" r:id="rId3" imgW="353" imgH="353" progId="TCLayout.ActiveDocument.1">
-                  <p:embed/>
-                  <p:pic>
-                    <p:nvPicPr>
-                      <p:cNvPr id="4" name="Objekt 3" hidden="1">
-                        <a:extLst>
-                          <a:ext uri="{FF2B5EF4-FFF2-40B4-BE49-F238E27FC236}">
-                            <a16:creationId xmlns:a16="http://schemas.microsoft.com/office/drawing/2014/main" id="{7E1283FF-1F57-7F70-DD9E-8C2D47584803}"/>
-                          </a:ext>
-                        </a:extLst>
-                      </p:cNvPr>
-                      <p:cNvPicPr/>
-                      <p:nvPr/>
-                    </p:nvPicPr>
-                    <p:blipFill>
-                      <a:blip r:embed="rId4"/>
-                      <a:stretch>
-                        <a:fillRect/>
-                      </a:stretch>
-                    </p:blipFill>
-                    <p:spPr>
-                      <a:xfrm>
-                        <a:off x="1588" y="1588"/>
-                        <a:ext cx="1588" cy="1588"/>
-                      </a:xfrm>
-                      <a:prstGeom prst="rect">
-                        <a:avLst/>
-                      </a:prstGeom>
-                    </p:spPr>
-                  </p:pic>
-                </p:oleObj>
-              </mc:Fallback>
-            </mc:AlternateContent>
-          </a:graphicData>
-        </a:graphic>
-      </p:graphicFrame>
-      <p:sp>
-        <p:nvSpPr>
-          <p:cNvPr id="14" name="Rectangle 35"/>
-          <p:cNvSpPr>
-            <a:spLocks noGrp="1" noChangeArrowheads="1"/>
-          </p:cNvSpPr>
-          <p:nvPr>
-            <p:ph type="title" hasCustomPrompt="1"/>
-          </p:nvPr>
-        </p:nvSpPr>
-        <p:spPr bwMode="auto">
-          <a:xfrm>
-            <a:off x="334962" y="0"/>
-            <a:ext cx="11522075" cy="586860"/>
-          </a:xfrm>
-          <a:prstGeom prst="rect">
-            <a:avLst/>
-          </a:prstGeom>
-          <a:solidFill>
-            <a:schemeClr val="bg1">
-              <a:alpha val="43000"/>
-            </a:schemeClr>
-          </a:solidFill>
-          <a:ln w="9525">
-            <a:noFill/>
-            <a:miter lim="800000"/>
-            <a:headEnd/>
-            <a:tailEnd/>
-          </a:ln>
-        </p:spPr>
-        <p:txBody>
-          <a:bodyPr vert="horz" wrap="square" lIns="0" tIns="0" rIns="0" bIns="0" numCol="1" anchor="b" anchorCtr="0" compatLnSpc="1">
-            <a:prstTxWarp prst="textNoShape">
-              <a:avLst/>
-            </a:prstTxWarp>
-            <a:noAutofit/>
-          </a:bodyPr>
-          <a:lstStyle>
-            <a:lvl1pPr>
-              <a:defRPr lang="de-DE" dirty="0"/>
-            </a:lvl1pPr>
-          </a:lstStyle>
-          <a:p>
-            <a:pPr marL="0" lvl="0"/>
-            <a:r>
-              <a:rPr lang="de-DE" dirty="0"/>
-              <a:t>Actiontitle</a:t>
-            </a:r>
-          </a:p>
-        </p:txBody>
-      </p:sp>
-      <p:sp>
-        <p:nvSpPr>
-          <p:cNvPr id="37" name="Textplatzhalter 33">
-            <a:extLst>
-              <a:ext uri="{FF2B5EF4-FFF2-40B4-BE49-F238E27FC236}">
-                <a16:creationId xmlns:a16="http://schemas.microsoft.com/office/drawing/2014/main" id="{A3E7E7F6-EB4C-C39D-C5E9-C4EFD4B01185}"/>
-              </a:ext>
-            </a:extLst>
-          </p:cNvPr>
-          <p:cNvSpPr>
-            <a:spLocks noGrp="1"/>
-          </p:cNvSpPr>
-          <p:nvPr>
-            <p:ph type="body" sz="quarter" idx="11" hasCustomPrompt="1"/>
-          </p:nvPr>
-        </p:nvSpPr>
-        <p:spPr>
-          <a:xfrm>
-            <a:off x="667454" y="3159363"/>
-            <a:ext cx="5428713" cy="1306248"/>
-          </a:xfrm>
-        </p:spPr>
-        <p:txBody>
-          <a:bodyPr lIns="36000" tIns="36000" rIns="36000" bIns="36000" numCol="2" spcCol="18000">
-            <a:noAutofit/>
-          </a:bodyPr>
-          <a:lstStyle>
-            <a:lvl1pPr marL="177800" indent="-177800">
-              <a:lnSpc>
-                <a:spcPct val="100000"/>
-              </a:lnSpc>
-              <a:spcBef>
-                <a:spcPts val="200"/>
-              </a:spcBef>
-              <a:buFont typeface="Wingdings" panose="05000000000000000000" pitchFamily="2" charset="2"/>
-              <a:buChar char="§"/>
-              <a:defRPr sz="1050"/>
-            </a:lvl1pPr>
-            <a:lvl2pPr marL="265112" indent="0">
-              <a:buNone/>
-              <a:defRPr/>
-            </a:lvl2pPr>
-            <a:lvl3pPr marL="539750" indent="0">
-              <a:buNone/>
-              <a:defRPr/>
-            </a:lvl3pPr>
-            <a:lvl4pPr marL="804862" indent="0">
-              <a:buNone/>
-              <a:defRPr/>
-            </a:lvl4pPr>
-            <a:lvl5pPr marL="1079500" indent="0">
-              <a:buNone/>
-              <a:defRPr/>
-            </a:lvl5pPr>
-          </a:lstStyle>
-          <a:p>
-            <a:pPr lvl="0"/>
-            <a:r>
-              <a:rPr lang="de-DE" dirty="0"/>
-              <a:t>Unser Lösungskonzept (6-8 Stichpunkte)</a:t>
-            </a:r>
-          </a:p>
-          <a:p>
-            <a:pPr lvl="0"/>
-            <a:r>
-              <a:rPr lang="de-DE" dirty="0"/>
-              <a:t>Schriftgröße 11</a:t>
-            </a:r>
-          </a:p>
-        </p:txBody>
-      </p:sp>
-      <p:sp>
-        <p:nvSpPr>
-          <p:cNvPr id="34" name="Textplatzhalter 33">
-            <a:extLst>
-              <a:ext uri="{FF2B5EF4-FFF2-40B4-BE49-F238E27FC236}">
-                <a16:creationId xmlns:a16="http://schemas.microsoft.com/office/drawing/2014/main" id="{EB7E76E3-CA0F-0894-6D31-5EB2ED27974D}"/>
-              </a:ext>
-            </a:extLst>
-          </p:cNvPr>
-          <p:cNvSpPr>
-            <a:spLocks noGrp="1"/>
-          </p:cNvSpPr>
-          <p:nvPr>
-            <p:ph type="body" sz="quarter" idx="10" hasCustomPrompt="1"/>
-          </p:nvPr>
-        </p:nvSpPr>
-        <p:spPr>
-          <a:xfrm>
-            <a:off x="629808" y="1383975"/>
-            <a:ext cx="5466359" cy="1365365"/>
-          </a:xfrm>
-        </p:spPr>
-        <p:txBody>
-          <a:bodyPr lIns="36000" tIns="36000" rIns="36000" bIns="36000">
-            <a:noAutofit/>
-          </a:bodyPr>
-          <a:lstStyle>
-            <a:lvl1pPr marL="0" indent="0" algn="just">
-              <a:lnSpc>
-                <a:spcPct val="100000"/>
-              </a:lnSpc>
-              <a:spcBef>
-                <a:spcPts val="0"/>
-              </a:spcBef>
-              <a:buNone/>
-              <a:defRPr sz="1050"/>
-            </a:lvl1pPr>
-            <a:lvl2pPr marL="265112" indent="0">
-              <a:buNone/>
-              <a:defRPr/>
-            </a:lvl2pPr>
-            <a:lvl3pPr marL="539750" indent="0">
-              <a:buNone/>
-              <a:defRPr/>
-            </a:lvl3pPr>
-            <a:lvl4pPr marL="804862" indent="0">
-              <a:buNone/>
-              <a:defRPr/>
-            </a:lvl4pPr>
-            <a:lvl5pPr marL="1079500" indent="0">
-              <a:buNone/>
-              <a:defRPr/>
-            </a:lvl5pPr>
-          </a:lstStyle>
-          <a:p>
-            <a:r>
-              <a:rPr lang="de-DE" dirty="0"/>
-              <a:t>Initial Situation &amp; Challenge</a:t>
-            </a:r>
-          </a:p>
-        </p:txBody>
-      </p:sp>
-      <p:cxnSp>
-        <p:nvCxnSpPr>
-          <p:cNvPr id="19" name="Gerader Verbinder 18">
-            <a:extLst>
-              <a:ext uri="{FF2B5EF4-FFF2-40B4-BE49-F238E27FC236}">
-                <a16:creationId xmlns:a16="http://schemas.microsoft.com/office/drawing/2014/main" id="{9D23A2AC-4D01-2523-DC9D-3E9ABE6F73C2}"/>
-              </a:ext>
-            </a:extLst>
-          </p:cNvPr>
-          <p:cNvCxnSpPr>
-            <a:cxnSpLocks/>
-          </p:cNvCxnSpPr>
-          <p:nvPr userDrawn="1"/>
-        </p:nvCxnSpPr>
-        <p:spPr>
-          <a:xfrm>
-            <a:off x="6186879" y="1085134"/>
-            <a:ext cx="0" cy="5242724"/>
-          </a:xfrm>
-          <a:prstGeom prst="line">
-            <a:avLst/>
-          </a:prstGeom>
-          <a:ln>
-            <a:solidFill>
-              <a:schemeClr val="accent1"/>
-            </a:solidFill>
-          </a:ln>
-        </p:spPr>
-        <p:style>
-          <a:lnRef idx="1">
-            <a:schemeClr val="accent1"/>
-          </a:lnRef>
-          <a:fillRef idx="0">
-            <a:schemeClr val="accent1"/>
-          </a:fillRef>
-          <a:effectRef idx="0">
-            <a:schemeClr val="accent1"/>
-          </a:effectRef>
-          <a:fontRef idx="minor">
-            <a:schemeClr val="tx1"/>
-          </a:fontRef>
-        </p:style>
-      </p:cxnSp>
-      <p:sp>
-        <p:nvSpPr>
-          <p:cNvPr id="40" name="Textplatzhalter 33">
-            <a:extLst>
-              <a:ext uri="{FF2B5EF4-FFF2-40B4-BE49-F238E27FC236}">
-                <a16:creationId xmlns:a16="http://schemas.microsoft.com/office/drawing/2014/main" id="{27C2E5AD-BDA1-9F17-AB59-857A7131DACF}"/>
-              </a:ext>
-            </a:extLst>
-          </p:cNvPr>
-          <p:cNvSpPr>
-            <a:spLocks noGrp="1"/>
-          </p:cNvSpPr>
-          <p:nvPr>
-            <p:ph type="body" sz="quarter" idx="13" hasCustomPrompt="1"/>
-          </p:nvPr>
-        </p:nvSpPr>
-        <p:spPr>
-          <a:xfrm>
-            <a:off x="6714311" y="1260038"/>
-            <a:ext cx="4696638" cy="1319198"/>
-          </a:xfrm>
-        </p:spPr>
-        <p:txBody>
-          <a:bodyPr lIns="36000" tIns="36000" rIns="36000" bIns="36000" anchor="ctr">
-            <a:noAutofit/>
-          </a:bodyPr>
-          <a:lstStyle>
-            <a:lvl1pPr marL="0" indent="0" algn="ctr">
-              <a:lnSpc>
-                <a:spcPct val="100000"/>
-              </a:lnSpc>
-              <a:spcBef>
-                <a:spcPts val="600"/>
-              </a:spcBef>
-              <a:buNone/>
-              <a:defRPr sz="1800">
-                <a:solidFill>
-                  <a:schemeClr val="tx2"/>
-                </a:solidFill>
-              </a:defRPr>
-            </a:lvl1pPr>
-            <a:lvl2pPr marL="265112" indent="0">
-              <a:buNone/>
-              <a:defRPr/>
-            </a:lvl2pPr>
-            <a:lvl3pPr marL="539750" indent="0">
-              <a:buNone/>
-              <a:defRPr/>
-            </a:lvl3pPr>
-            <a:lvl4pPr marL="804862" indent="0">
-              <a:buNone/>
-              <a:defRPr/>
-            </a:lvl4pPr>
-            <a:lvl5pPr marL="1079500" indent="0">
-              <a:buNone/>
-              <a:defRPr/>
-            </a:lvl5pPr>
-          </a:lstStyle>
-          <a:p>
-            <a:pPr marL="0" marR="0" lvl="0" indent="0" algn="l" defTabSz="914400" rtl="0" eaLnBrk="1" fontAlgn="auto" latinLnBrk="0" hangingPunct="1">
-              <a:lnSpc>
-                <a:spcPct val="90000"/>
-              </a:lnSpc>
-              <a:spcBef>
-                <a:spcPts val="1000"/>
-              </a:spcBef>
-              <a:spcAft>
-                <a:spcPts val="0"/>
-              </a:spcAft>
-              <a:buClrTx/>
-              <a:buSzTx/>
-              <a:buFont typeface="Arial" panose="020B0604020202020204" pitchFamily="34" charset="0"/>
-              <a:buNone/>
-              <a:tabLst/>
-              <a:defRPr/>
-            </a:pPr>
-            <a:r>
-              <a:rPr lang="de-DE" dirty="0"/>
-              <a:t>Ein Aussage, die das Ziel und den Nutzen der Fallstudie für das betrachtete Unternehmen hervorhebt.</a:t>
-            </a:r>
-            <a:br>
-              <a:rPr lang="de-DE" dirty="0"/>
-            </a:br>
-            <a:r>
-              <a:rPr lang="de-DE" dirty="0"/>
-              <a:t>Schriftgröße 18, Farbe TCW-blau (0, 51, 102). zentriert</a:t>
-            </a:r>
-          </a:p>
-        </p:txBody>
-      </p:sp>
-      <p:sp>
-        <p:nvSpPr>
-          <p:cNvPr id="50" name="Textplatzhalter 49">
-            <a:extLst>
-              <a:ext uri="{FF2B5EF4-FFF2-40B4-BE49-F238E27FC236}">
-                <a16:creationId xmlns:a16="http://schemas.microsoft.com/office/drawing/2014/main" id="{D3292199-97E7-107D-101C-9B4D199378AF}"/>
-              </a:ext>
-            </a:extLst>
-          </p:cNvPr>
-          <p:cNvSpPr>
-            <a:spLocks noGrp="1"/>
-          </p:cNvSpPr>
-          <p:nvPr>
-            <p:ph type="body" sz="quarter" idx="20" hasCustomPrompt="1"/>
-          </p:nvPr>
-        </p:nvSpPr>
-        <p:spPr>
-          <a:xfrm>
-            <a:off x="6278949" y="3175810"/>
-            <a:ext cx="5567363" cy="3097991"/>
-          </a:xfrm>
-        </p:spPr>
-        <p:txBody>
-          <a:bodyPr/>
-          <a:lstStyle>
-            <a:lvl1pPr marL="0" indent="0">
-              <a:buNone/>
-              <a:defRPr/>
-            </a:lvl1pPr>
-            <a:lvl2pPr marL="265112" indent="0">
-              <a:buNone/>
-              <a:defRPr/>
-            </a:lvl2pPr>
-            <a:lvl3pPr marL="539750" indent="0">
-              <a:buNone/>
-              <a:defRPr/>
-            </a:lvl3pPr>
-            <a:lvl4pPr marL="804862" indent="0">
-              <a:buNone/>
-              <a:defRPr/>
-            </a:lvl4pPr>
-            <a:lvl5pPr marL="1079500" indent="0">
-              <a:buNone/>
-              <a:defRPr/>
-            </a:lvl5pPr>
-          </a:lstStyle>
-          <a:p>
-            <a:pPr lvl="0"/>
-            <a:r>
-              <a:rPr lang="de-DE" dirty="0"/>
-              <a:t>Bild</a:t>
-            </a:r>
-          </a:p>
-        </p:txBody>
-      </p:sp>
-      <p:sp>
-        <p:nvSpPr>
-          <p:cNvPr id="48" name="Textplatzhalter 47">
-            <a:extLst>
-              <a:ext uri="{FF2B5EF4-FFF2-40B4-BE49-F238E27FC236}">
-                <a16:creationId xmlns:a16="http://schemas.microsoft.com/office/drawing/2014/main" id="{C0269B60-F42B-8D22-2C3F-AE43F03D64F4}"/>
-              </a:ext>
-            </a:extLst>
-          </p:cNvPr>
-          <p:cNvSpPr>
-            <a:spLocks noGrp="1"/>
-          </p:cNvSpPr>
-          <p:nvPr>
-            <p:ph type="body" sz="quarter" idx="19" hasCustomPrompt="1"/>
-          </p:nvPr>
-        </p:nvSpPr>
-        <p:spPr>
-          <a:xfrm>
-            <a:off x="334962" y="586859"/>
-            <a:ext cx="11522075" cy="327540"/>
-          </a:xfrm>
-        </p:spPr>
-        <p:txBody>
-          <a:bodyPr lIns="0" tIns="0" rIns="0" bIns="0">
-            <a:noAutofit/>
-          </a:bodyPr>
-          <a:lstStyle>
-            <a:lvl1pPr marL="0" indent="0">
-              <a:buNone/>
-              <a:defRPr sz="1600">
-                <a:solidFill>
-                  <a:schemeClr val="tx2"/>
-                </a:solidFill>
-              </a:defRPr>
-            </a:lvl1pPr>
-            <a:lvl2pPr marL="265112" indent="0">
-              <a:buNone/>
-              <a:defRPr sz="1600">
-                <a:solidFill>
-                  <a:schemeClr val="tx2"/>
-                </a:solidFill>
-              </a:defRPr>
-            </a:lvl2pPr>
-            <a:lvl3pPr marL="539750" indent="0">
-              <a:buNone/>
-              <a:defRPr sz="1600">
-                <a:solidFill>
-                  <a:schemeClr val="tx2"/>
-                </a:solidFill>
-              </a:defRPr>
-            </a:lvl3pPr>
-            <a:lvl4pPr marL="804862" indent="0">
-              <a:buNone/>
-              <a:defRPr sz="1600">
-                <a:solidFill>
-                  <a:schemeClr val="tx2"/>
-                </a:solidFill>
-              </a:defRPr>
-            </a:lvl4pPr>
-            <a:lvl5pPr marL="1079500" indent="0">
-              <a:buNone/>
-              <a:defRPr sz="1600">
-                <a:solidFill>
-                  <a:schemeClr val="tx2"/>
-                </a:solidFill>
-              </a:defRPr>
-            </a:lvl5pPr>
-          </a:lstStyle>
-          <a:p>
-            <a:pPr lvl="0"/>
-            <a:r>
-              <a:rPr lang="de-DE" dirty="0"/>
-              <a:t>Branche | Unternehmensbeschreibung (2. Zeile: nicht, fett, Größe 16)</a:t>
-            </a:r>
-          </a:p>
-        </p:txBody>
-      </p:sp>
-      <p:sp>
-        <p:nvSpPr>
-          <p:cNvPr id="36" name="Textplatzhalter 35">
-            <a:extLst>
-              <a:ext uri="{FF2B5EF4-FFF2-40B4-BE49-F238E27FC236}">
-                <a16:creationId xmlns:a16="http://schemas.microsoft.com/office/drawing/2014/main" id="{99763D54-78FB-2EF5-CBDE-11442C4B53F6}"/>
-              </a:ext>
-            </a:extLst>
-          </p:cNvPr>
-          <p:cNvSpPr>
-            <a:spLocks noGrp="1"/>
-          </p:cNvSpPr>
-          <p:nvPr>
-            <p:ph type="body" sz="quarter" idx="15" hasCustomPrompt="1"/>
-          </p:nvPr>
-        </p:nvSpPr>
-        <p:spPr>
-          <a:xfrm>
-            <a:off x="934018" y="-683511"/>
-            <a:ext cx="2966720" cy="211203"/>
-          </a:xfrm>
-          <a:solidFill>
-            <a:schemeClr val="bg1"/>
-          </a:solidFill>
-        </p:spPr>
-        <p:txBody>
-          <a:bodyPr wrap="square" lIns="36000" tIns="36000" rIns="36000" bIns="36000">
-            <a:spAutoFit/>
-          </a:bodyPr>
-          <a:lstStyle>
-            <a:lvl1pPr marL="0" indent="0">
-              <a:buNone/>
-              <a:defRPr sz="1000"/>
-            </a:lvl1pPr>
-            <a:lvl2pPr marL="265112" indent="0">
-              <a:buNone/>
-              <a:defRPr sz="1000"/>
-            </a:lvl2pPr>
-            <a:lvl3pPr marL="539750" indent="0">
-              <a:buNone/>
-              <a:defRPr sz="1000"/>
-            </a:lvl3pPr>
-            <a:lvl4pPr marL="804862" indent="0">
-              <a:buNone/>
-              <a:defRPr sz="1000"/>
-            </a:lvl4pPr>
-            <a:lvl5pPr marL="1079500" indent="0">
-              <a:buNone/>
-              <a:defRPr sz="1000"/>
-            </a:lvl5pPr>
-          </a:lstStyle>
-          <a:p>
-            <a:pPr lvl="0"/>
-            <a:r>
-              <a:rPr lang="de-DE" dirty="0"/>
-              <a:t>Unternehmen</a:t>
-            </a:r>
-          </a:p>
-        </p:txBody>
-      </p:sp>
-      <p:sp>
-        <p:nvSpPr>
-          <p:cNvPr id="38" name="Textplatzhalter 35">
-            <a:extLst>
-              <a:ext uri="{FF2B5EF4-FFF2-40B4-BE49-F238E27FC236}">
-                <a16:creationId xmlns:a16="http://schemas.microsoft.com/office/drawing/2014/main" id="{53F12A3A-A117-5BCE-BF77-4B08676C6996}"/>
-              </a:ext>
-            </a:extLst>
-          </p:cNvPr>
-          <p:cNvSpPr>
-            <a:spLocks noGrp="1"/>
-          </p:cNvSpPr>
-          <p:nvPr>
-            <p:ph type="body" sz="quarter" idx="16" hasCustomPrompt="1"/>
-          </p:nvPr>
-        </p:nvSpPr>
-        <p:spPr>
-          <a:xfrm>
-            <a:off x="934018" y="-373369"/>
-            <a:ext cx="2966720" cy="211203"/>
-          </a:xfrm>
-          <a:solidFill>
-            <a:schemeClr val="bg1"/>
-          </a:solidFill>
-        </p:spPr>
-        <p:txBody>
-          <a:bodyPr wrap="square" lIns="36000" tIns="36000" rIns="36000" bIns="36000">
-            <a:spAutoFit/>
-          </a:bodyPr>
-          <a:lstStyle>
-            <a:lvl1pPr marL="0" indent="0">
-              <a:buNone/>
-              <a:defRPr sz="1000"/>
-            </a:lvl1pPr>
-            <a:lvl2pPr marL="265112" indent="0">
-              <a:buNone/>
-              <a:defRPr sz="1000"/>
-            </a:lvl2pPr>
-            <a:lvl3pPr marL="539750" indent="0">
-              <a:buNone/>
-              <a:defRPr sz="1000"/>
-            </a:lvl3pPr>
-            <a:lvl4pPr marL="804862" indent="0">
-              <a:buNone/>
-              <a:defRPr sz="1000"/>
-            </a:lvl4pPr>
-            <a:lvl5pPr marL="1079500" indent="0">
-              <a:buNone/>
-              <a:defRPr sz="1000"/>
-            </a:lvl5pPr>
-          </a:lstStyle>
-          <a:p>
-            <a:pPr lvl="0"/>
-            <a:r>
-              <a:rPr lang="de-DE" dirty="0"/>
-              <a:t>Verantwortlicher</a:t>
-            </a:r>
-          </a:p>
-        </p:txBody>
-      </p:sp>
-      <p:sp>
-        <p:nvSpPr>
-          <p:cNvPr id="43" name="Textplatzhalter 35">
-            <a:extLst>
-              <a:ext uri="{FF2B5EF4-FFF2-40B4-BE49-F238E27FC236}">
-                <a16:creationId xmlns:a16="http://schemas.microsoft.com/office/drawing/2014/main" id="{FC37B189-9B16-626F-5B19-29A28ADAA16A}"/>
-              </a:ext>
-            </a:extLst>
-          </p:cNvPr>
-          <p:cNvSpPr>
-            <a:spLocks noGrp="1"/>
-          </p:cNvSpPr>
-          <p:nvPr>
-            <p:ph type="body" sz="quarter" idx="17" hasCustomPrompt="1"/>
-          </p:nvPr>
-        </p:nvSpPr>
-        <p:spPr>
-          <a:xfrm>
-            <a:off x="4104" y="-990610"/>
-            <a:ext cx="828000" cy="828444"/>
-          </a:xfrm>
-          <a:solidFill>
-            <a:schemeClr val="bg1"/>
-          </a:solidFill>
-        </p:spPr>
-        <p:txBody>
-          <a:bodyPr wrap="square" lIns="36000" tIns="36000" rIns="36000" bIns="36000" anchor="ctr">
-            <a:noAutofit/>
-          </a:bodyPr>
-          <a:lstStyle>
-            <a:lvl1pPr marL="0" indent="0" algn="ctr">
-              <a:buNone/>
-              <a:defRPr sz="2400"/>
-            </a:lvl1pPr>
-            <a:lvl2pPr marL="265112" indent="0">
-              <a:buNone/>
-              <a:defRPr sz="1000"/>
-            </a:lvl2pPr>
-            <a:lvl3pPr marL="539750" indent="0">
-              <a:buNone/>
-              <a:defRPr sz="1000"/>
-            </a:lvl3pPr>
-            <a:lvl4pPr marL="804862" indent="0">
-              <a:buNone/>
-              <a:defRPr sz="1000"/>
-            </a:lvl4pPr>
-            <a:lvl5pPr marL="1079500" indent="0">
-              <a:buNone/>
-              <a:defRPr sz="1000"/>
-            </a:lvl5pPr>
-          </a:lstStyle>
-          <a:p>
-            <a:pPr lvl="0"/>
-            <a:r>
-              <a:rPr lang="de-DE" dirty="0"/>
-              <a:t>ID</a:t>
-            </a:r>
-          </a:p>
-        </p:txBody>
-      </p:sp>
-      <p:sp>
-        <p:nvSpPr>
-          <p:cNvPr id="46" name="Textplatzhalter 35">
-            <a:extLst>
-              <a:ext uri="{FF2B5EF4-FFF2-40B4-BE49-F238E27FC236}">
-                <a16:creationId xmlns:a16="http://schemas.microsoft.com/office/drawing/2014/main" id="{98E1A5E2-65E9-D4C5-7BFA-247F9516CC5C}"/>
-              </a:ext>
-            </a:extLst>
-          </p:cNvPr>
-          <p:cNvSpPr>
-            <a:spLocks noGrp="1"/>
-          </p:cNvSpPr>
-          <p:nvPr>
-            <p:ph type="body" sz="quarter" idx="18" hasCustomPrompt="1"/>
-          </p:nvPr>
-        </p:nvSpPr>
-        <p:spPr>
-          <a:xfrm>
-            <a:off x="934018" y="-990610"/>
-            <a:ext cx="2966720" cy="211203"/>
-          </a:xfrm>
-          <a:solidFill>
-            <a:schemeClr val="bg1"/>
-          </a:solidFill>
-        </p:spPr>
-        <p:txBody>
-          <a:bodyPr wrap="square" lIns="36000" tIns="36000" rIns="36000" bIns="36000">
-            <a:spAutoFit/>
-          </a:bodyPr>
-          <a:lstStyle>
-            <a:lvl1pPr marL="0" indent="0">
-              <a:buNone/>
-              <a:defRPr sz="1000"/>
-            </a:lvl1pPr>
-            <a:lvl2pPr marL="265112" indent="0">
-              <a:buNone/>
-              <a:defRPr sz="1000"/>
-            </a:lvl2pPr>
-            <a:lvl3pPr marL="539750" indent="0">
-              <a:buNone/>
-              <a:defRPr sz="1000"/>
-            </a:lvl3pPr>
-            <a:lvl4pPr marL="804862" indent="0">
-              <a:buNone/>
-              <a:defRPr sz="1000"/>
-            </a:lvl4pPr>
-            <a:lvl5pPr marL="1079500" indent="0">
-              <a:buNone/>
-              <a:defRPr sz="1000"/>
-            </a:lvl5pPr>
-          </a:lstStyle>
-          <a:p>
-            <a:pPr lvl="0"/>
-            <a:r>
-              <a:rPr lang="de-DE" dirty="0"/>
-              <a:t>Domain</a:t>
-            </a:r>
-          </a:p>
-        </p:txBody>
-      </p:sp>
-      <p:sp>
-        <p:nvSpPr>
-          <p:cNvPr id="24" name="Parallelogramm 23">
-            <a:extLst>
-              <a:ext uri="{FF2B5EF4-FFF2-40B4-BE49-F238E27FC236}">
-                <a16:creationId xmlns:a16="http://schemas.microsoft.com/office/drawing/2014/main" id="{43F3822F-2551-11EE-DC55-EB55D5C2AA25}"/>
-              </a:ext>
-            </a:extLst>
-          </p:cNvPr>
-          <p:cNvSpPr/>
-          <p:nvPr userDrawn="1"/>
-        </p:nvSpPr>
-        <p:spPr>
-          <a:xfrm>
-            <a:off x="565824" y="1065051"/>
-            <a:ext cx="5528984" cy="318924"/>
-          </a:xfrm>
-          <a:prstGeom prst="parallelogram">
-            <a:avLst>
-              <a:gd name="adj" fmla="val 44911"/>
-            </a:avLst>
-          </a:prstGeom>
-          <a:solidFill>
-            <a:schemeClr val="tx2"/>
-          </a:solidFill>
-        </p:spPr>
-        <p:txBody>
-          <a:bodyPr rot="0" spcFirstLastPara="0" vertOverflow="overflow" horzOverflow="overflow" vert="horz" wrap="none" lIns="360000" tIns="36000" rIns="0" bIns="36000" numCol="1" spcCol="0" rtlCol="0" fromWordArt="0" anchor="ctr" anchorCtr="0" forceAA="0" compatLnSpc="1">
-            <a:prstTxWarp prst="textNoShape">
-              <a:avLst/>
-            </a:prstTxWarp>
-            <a:noAutofit/>
-          </a:bodyPr>
-          <a:lstStyle/>
-          <a:p>
-            <a:pPr>
-              <a:spcBef>
-                <a:spcPct val="0"/>
-              </a:spcBef>
-              <a:spcAft>
-                <a:spcPct val="0"/>
-              </a:spcAft>
-            </a:pPr>
-            <a:endParaRPr lang="de-DE" sz="1600" b="1" kern="0" dirty="0">
-              <a:solidFill>
-                <a:schemeClr val="bg1"/>
-              </a:solidFill>
-              <a:latin typeface="Arial" panose="020B0604020202020204"/>
-            </a:endParaRPr>
-          </a:p>
-        </p:txBody>
-      </p:sp>
-      <p:sp>
-        <p:nvSpPr>
-          <p:cNvPr id="25" name="Ellipse 24">
-            <a:extLst>
-              <a:ext uri="{FF2B5EF4-FFF2-40B4-BE49-F238E27FC236}">
-                <a16:creationId xmlns:a16="http://schemas.microsoft.com/office/drawing/2014/main" id="{7AD8C068-F8CF-E34F-2B75-F40FC9D7C5A9}"/>
-              </a:ext>
-            </a:extLst>
-          </p:cNvPr>
-          <p:cNvSpPr/>
-          <p:nvPr userDrawn="1"/>
-        </p:nvSpPr>
-        <p:spPr>
-          <a:xfrm>
-            <a:off x="349823" y="1008513"/>
-            <a:ext cx="432000" cy="432000"/>
-          </a:xfrm>
-          <a:prstGeom prst="ellipse">
-            <a:avLst/>
-          </a:prstGeom>
-          <a:solidFill>
-            <a:srgbClr val="003366"/>
-          </a:solidFill>
-          <a:ln w="57150">
-            <a:solidFill>
-              <a:schemeClr val="bg1"/>
-            </a:solidFill>
-          </a:ln>
-        </p:spPr>
-        <p:style>
-          <a:lnRef idx="2">
-            <a:schemeClr val="accent1">
-              <a:shade val="50000"/>
-            </a:schemeClr>
-          </a:lnRef>
-          <a:fillRef idx="1">
-            <a:schemeClr val="accent1"/>
-          </a:fillRef>
-          <a:effectRef idx="0">
-            <a:schemeClr val="accent1"/>
-          </a:effectRef>
-          <a:fontRef idx="minor">
-            <a:schemeClr val="lt1"/>
-          </a:fontRef>
-        </p:style>
-        <p:txBody>
-          <a:bodyPr rot="0" spcFirstLastPara="0" vertOverflow="overflow" horzOverflow="overflow" vert="horz" wrap="square" lIns="68580" tIns="34290" rIns="68580" bIns="34290" numCol="1" spcCol="0" rtlCol="0" fromWordArt="0" anchor="t" anchorCtr="0" forceAA="0" compatLnSpc="1">
-            <a:prstTxWarp prst="textNoShape">
-              <a:avLst/>
-            </a:prstTxWarp>
-            <a:noAutofit/>
-          </a:bodyPr>
-          <a:lstStyle/>
-          <a:p>
-            <a:pPr lvl="0" algn="ctr"/>
-            <a:endParaRPr lang="de-DE">
-              <a:latin typeface="Arial" panose="020B0604020202020204" pitchFamily="34" charset="0"/>
-              <a:cs typeface="Arial" panose="020B0604020202020204" pitchFamily="34" charset="0"/>
-            </a:endParaRPr>
-          </a:p>
-        </p:txBody>
-      </p:sp>
-      <p:pic>
-        <p:nvPicPr>
-          <p:cNvPr id="26" name="Grafik 25" descr="Lupe mit einfarbiger Füllung">
-            <a:extLst>
-              <a:ext uri="{FF2B5EF4-FFF2-40B4-BE49-F238E27FC236}">
-                <a16:creationId xmlns:a16="http://schemas.microsoft.com/office/drawing/2014/main" id="{A4BE3FB3-9A65-CFF9-7998-4027A8D2DE69}"/>
-              </a:ext>
-            </a:extLst>
-          </p:cNvPr>
-          <p:cNvPicPr>
-            <a:picLocks noChangeAspect="1"/>
-          </p:cNvPicPr>
-          <p:nvPr userDrawn="1"/>
-        </p:nvPicPr>
-        <p:blipFill>
-          <a:blip r:embed="rId5" cstate="print">
-            <a:extLst>
-              <a:ext uri="{28A0092B-C50C-407E-A947-70E740481C1C}">
-                <a14:useLocalDpi xmlns:a14="http://schemas.microsoft.com/office/drawing/2010/main" val="0"/>
-              </a:ext>
-              <a:ext uri="{96DAC541-7B7A-43D3-8B79-37D633B846F1}">
-                <asvg:svgBlip xmlns:asvg="http://schemas.microsoft.com/office/drawing/2016/SVG/main" r:embed="rId6"/>
-              </a:ext>
-            </a:extLst>
-          </a:blip>
-          <a:stretch>
-            <a:fillRect/>
-          </a:stretch>
-        </p:blipFill>
-        <p:spPr>
-          <a:xfrm flipH="1">
-            <a:off x="450623" y="1109313"/>
-            <a:ext cx="230400" cy="230400"/>
-          </a:xfrm>
-          <a:prstGeom prst="rect">
-            <a:avLst/>
-          </a:prstGeom>
-        </p:spPr>
-      </p:pic>
-      <p:sp>
-        <p:nvSpPr>
-          <p:cNvPr id="31" name="Textfeld 30">
-            <a:extLst>
-              <a:ext uri="{FF2B5EF4-FFF2-40B4-BE49-F238E27FC236}">
-                <a16:creationId xmlns:a16="http://schemas.microsoft.com/office/drawing/2014/main" id="{B76B3A3E-D5B9-E395-0E5C-101C76045CC7}"/>
-              </a:ext>
-            </a:extLst>
-          </p:cNvPr>
-          <p:cNvSpPr txBox="1"/>
-          <p:nvPr userDrawn="1"/>
-        </p:nvSpPr>
-        <p:spPr>
-          <a:xfrm>
-            <a:off x="565825" y="1101402"/>
-            <a:ext cx="3396575" cy="246221"/>
-          </a:xfrm>
-          <a:prstGeom prst="rect">
-            <a:avLst/>
-          </a:prstGeom>
-          <a:noFill/>
-          <a:ln>
-            <a:noFill/>
-          </a:ln>
-        </p:spPr>
-        <p:txBody>
-          <a:bodyPr wrap="square" lIns="360000" tIns="0" bIns="0">
-            <a:spAutoFit/>
-          </a:bodyPr>
-          <a:lstStyle/>
-          <a:p>
-            <a:pPr marL="0" marR="0" lvl="0" indent="0" algn="l" defTabSz="914400" rtl="0" eaLnBrk="1" fontAlgn="auto" latinLnBrk="0" hangingPunct="1">
-              <a:lnSpc>
-                <a:spcPct val="100000"/>
-              </a:lnSpc>
-              <a:spcBef>
-                <a:spcPct val="0"/>
-              </a:spcBef>
-              <a:spcAft>
-                <a:spcPct val="0"/>
-              </a:spcAft>
-              <a:buClrTx/>
-              <a:buSzTx/>
-              <a:buFontTx/>
-              <a:buNone/>
-              <a:tabLst/>
-              <a:defRPr/>
-            </a:pPr>
-            <a:r>
-              <a:rPr lang="de-DE" sz="1600" b="1" kern="0" noProof="0" dirty="0">
-                <a:solidFill>
-                  <a:schemeClr val="bg1"/>
-                </a:solidFill>
-                <a:latin typeface="Arial" panose="020B0604020202020204"/>
-              </a:rPr>
-              <a:t>Initial Situation &amp; Challenge</a:t>
-            </a:r>
-          </a:p>
-        </p:txBody>
-      </p:sp>
-      <p:grpSp>
-        <p:nvGrpSpPr>
-          <p:cNvPr id="55" name="Gruppieren 54">
-            <a:extLst>
-              <a:ext uri="{FF2B5EF4-FFF2-40B4-BE49-F238E27FC236}">
-                <a16:creationId xmlns:a16="http://schemas.microsoft.com/office/drawing/2014/main" id="{12ED28AD-D553-4B3E-EA4B-ACDB94855229}"/>
-              </a:ext>
-            </a:extLst>
-          </p:cNvPr>
-          <p:cNvGrpSpPr/>
-          <p:nvPr userDrawn="1"/>
-        </p:nvGrpSpPr>
-        <p:grpSpPr>
-          <a:xfrm>
-            <a:off x="349823" y="2783496"/>
-            <a:ext cx="5744986" cy="432000"/>
-            <a:chOff x="349823" y="2962944"/>
-            <a:chExt cx="5744986" cy="432000"/>
-          </a:xfrm>
-        </p:grpSpPr>
-        <p:sp>
-          <p:nvSpPr>
-            <p:cNvPr id="35" name="Parallelogramm 34">
-              <a:extLst>
-                <a:ext uri="{FF2B5EF4-FFF2-40B4-BE49-F238E27FC236}">
-                  <a16:creationId xmlns:a16="http://schemas.microsoft.com/office/drawing/2014/main" id="{BFA0D1BA-C54C-90BA-9D4E-573E6122E666}"/>
-                </a:ext>
-              </a:extLst>
-            </p:cNvPr>
-            <p:cNvSpPr/>
-            <p:nvPr userDrawn="1"/>
-          </p:nvSpPr>
-          <p:spPr>
-            <a:xfrm>
-              <a:off x="565824" y="3019482"/>
-              <a:ext cx="5528985" cy="318924"/>
-            </a:xfrm>
-            <a:prstGeom prst="parallelogram">
-              <a:avLst>
-                <a:gd name="adj" fmla="val 44911"/>
-              </a:avLst>
-            </a:prstGeom>
-            <a:solidFill>
-              <a:schemeClr val="tx2"/>
-            </a:solidFill>
-          </p:spPr>
-          <p:txBody>
-            <a:bodyPr rot="0" spcFirstLastPara="0" vertOverflow="overflow" horzOverflow="overflow" vert="horz" wrap="none" lIns="360000" tIns="36000" rIns="0" bIns="36000" numCol="1" spcCol="0" rtlCol="0" fromWordArt="0" anchor="ctr" anchorCtr="0" forceAA="0" compatLnSpc="1">
-              <a:prstTxWarp prst="textNoShape">
-                <a:avLst/>
-              </a:prstTxWarp>
-              <a:noAutofit/>
-            </a:bodyPr>
-            <a:lstStyle/>
-            <a:p>
-              <a:pPr>
-                <a:spcBef>
-                  <a:spcPct val="0"/>
-                </a:spcBef>
-                <a:spcAft>
-                  <a:spcPct val="0"/>
-                </a:spcAft>
-              </a:pPr>
-              <a:endParaRPr lang="de-DE" sz="1600" b="1" kern="0" dirty="0">
-                <a:solidFill>
-                  <a:schemeClr val="bg1"/>
-                </a:solidFill>
-                <a:latin typeface="Arial" panose="020B0604020202020204"/>
-              </a:endParaRPr>
-            </a:p>
-          </p:txBody>
-        </p:sp>
-        <p:sp>
-          <p:nvSpPr>
-            <p:cNvPr id="41" name="Ellipse 40">
-              <a:extLst>
-                <a:ext uri="{FF2B5EF4-FFF2-40B4-BE49-F238E27FC236}">
-                  <a16:creationId xmlns:a16="http://schemas.microsoft.com/office/drawing/2014/main" id="{006ABDF6-D5D3-2CEA-95A3-CA9DCCBFCB79}"/>
-                </a:ext>
-              </a:extLst>
-            </p:cNvPr>
-            <p:cNvSpPr/>
-            <p:nvPr userDrawn="1"/>
-          </p:nvSpPr>
-          <p:spPr>
-            <a:xfrm>
-              <a:off x="349823" y="2962944"/>
-              <a:ext cx="432000" cy="432000"/>
-            </a:xfrm>
-            <a:prstGeom prst="ellipse">
-              <a:avLst/>
-            </a:prstGeom>
-            <a:solidFill>
-              <a:srgbClr val="003366"/>
-            </a:solidFill>
-            <a:ln w="57150">
-              <a:solidFill>
-                <a:schemeClr val="bg1"/>
-              </a:solidFill>
-            </a:ln>
-          </p:spPr>
-          <p:style>
-            <a:lnRef idx="2">
-              <a:schemeClr val="accent1">
-                <a:shade val="50000"/>
-              </a:schemeClr>
-            </a:lnRef>
-            <a:fillRef idx="1">
-              <a:schemeClr val="accent1"/>
-            </a:fillRef>
-            <a:effectRef idx="0">
-              <a:schemeClr val="accent1"/>
-            </a:effectRef>
-            <a:fontRef idx="minor">
-              <a:schemeClr val="lt1"/>
-            </a:fontRef>
-          </p:style>
-          <p:txBody>
-            <a:bodyPr rot="0" spcFirstLastPara="0" vertOverflow="overflow" horzOverflow="overflow" vert="horz" wrap="square" lIns="68580" tIns="34290" rIns="68580" bIns="34290" numCol="1" spcCol="0" rtlCol="0" fromWordArt="0" anchor="t" anchorCtr="0" forceAA="0" compatLnSpc="1">
-              <a:prstTxWarp prst="textNoShape">
-                <a:avLst/>
-              </a:prstTxWarp>
-              <a:noAutofit/>
-            </a:bodyPr>
-            <a:lstStyle/>
-            <a:p>
-              <a:pPr algn="ctr"/>
-              <a:endParaRPr lang="de-DE">
-                <a:solidFill>
-                  <a:schemeClr val="tx1"/>
-                </a:solidFill>
-                <a:latin typeface="Arial" panose="020B0604020202020204" pitchFamily="34" charset="0"/>
-                <a:cs typeface="Arial" panose="020B0604020202020204" pitchFamily="34" charset="0"/>
-              </a:endParaRPr>
-            </a:p>
-          </p:txBody>
-        </p:sp>
-        <p:pic>
-          <p:nvPicPr>
-            <p:cNvPr id="42" name="Grafik 41" descr="Route zwei Stecknadeln mit Weg mit einfarbiger Füllung">
-              <a:extLst>
-                <a:ext uri="{FF2B5EF4-FFF2-40B4-BE49-F238E27FC236}">
-                  <a16:creationId xmlns:a16="http://schemas.microsoft.com/office/drawing/2014/main" id="{ED303A16-C139-2470-AF89-BB16B3C35B21}"/>
-                </a:ext>
-              </a:extLst>
-            </p:cNvPr>
-            <p:cNvPicPr>
-              <a:picLocks noChangeAspect="1"/>
-            </p:cNvPicPr>
-            <p:nvPr userDrawn="1"/>
-          </p:nvPicPr>
-          <p:blipFill>
-            <a:blip r:embed="rId7" cstate="print">
-              <a:extLst>
-                <a:ext uri="{28A0092B-C50C-407E-A947-70E740481C1C}">
-                  <a14:useLocalDpi xmlns:a14="http://schemas.microsoft.com/office/drawing/2010/main" val="0"/>
-                </a:ext>
-                <a:ext uri="{96DAC541-7B7A-43D3-8B79-37D633B846F1}">
-                  <asvg:svgBlip xmlns:asvg="http://schemas.microsoft.com/office/drawing/2016/SVG/main" r:embed="rId8"/>
-                </a:ext>
-              </a:extLst>
-            </a:blip>
-            <a:stretch>
-              <a:fillRect/>
-            </a:stretch>
-          </p:blipFill>
-          <p:spPr>
-            <a:xfrm>
-              <a:off x="450624" y="3063744"/>
-              <a:ext cx="230400" cy="230400"/>
-            </a:xfrm>
-            <a:prstGeom prst="rect">
-              <a:avLst/>
-            </a:prstGeom>
-          </p:spPr>
-        </p:pic>
-        <p:sp>
-          <p:nvSpPr>
-            <p:cNvPr id="44" name="Textfeld 43">
-              <a:extLst>
-                <a:ext uri="{FF2B5EF4-FFF2-40B4-BE49-F238E27FC236}">
-                  <a16:creationId xmlns:a16="http://schemas.microsoft.com/office/drawing/2014/main" id="{917773B7-62C0-0443-00E0-8FF1D8BEBE45}"/>
-                </a:ext>
-              </a:extLst>
-            </p:cNvPr>
-            <p:cNvSpPr txBox="1"/>
-            <p:nvPr userDrawn="1"/>
-          </p:nvSpPr>
-          <p:spPr>
-            <a:xfrm>
-              <a:off x="565824" y="3055834"/>
-              <a:ext cx="3396577" cy="246221"/>
-            </a:xfrm>
-            <a:prstGeom prst="rect">
-              <a:avLst/>
-            </a:prstGeom>
-            <a:noFill/>
-            <a:ln>
-              <a:noFill/>
-            </a:ln>
-          </p:spPr>
-          <p:txBody>
-            <a:bodyPr wrap="square" lIns="360000" tIns="0" bIns="0">
-              <a:spAutoFit/>
-            </a:bodyPr>
-            <a:lstStyle/>
-            <a:p>
-              <a:pPr>
-                <a:spcBef>
-                  <a:spcPct val="0"/>
-                </a:spcBef>
-                <a:spcAft>
-                  <a:spcPct val="0"/>
-                </a:spcAft>
-              </a:pPr>
-              <a:r>
-                <a:rPr lang="de-DE" sz="1600" b="1" kern="0" dirty="0" err="1">
-                  <a:solidFill>
-                    <a:schemeClr val="bg1"/>
-                  </a:solidFill>
-                  <a:latin typeface="Arial" panose="020B0604020202020204"/>
-                </a:rPr>
-                <a:t>Our</a:t>
-              </a:r>
-              <a:r>
-                <a:rPr lang="de-DE" sz="1600" b="1" kern="0" dirty="0">
-                  <a:solidFill>
-                    <a:schemeClr val="bg1"/>
-                  </a:solidFill>
-                  <a:latin typeface="Arial" panose="020B0604020202020204"/>
-                </a:rPr>
-                <a:t> Solution Concept</a:t>
-              </a:r>
-            </a:p>
-          </p:txBody>
-        </p:sp>
-      </p:grpSp>
-      <p:grpSp>
-        <p:nvGrpSpPr>
-          <p:cNvPr id="63" name="Gruppieren 62">
-            <a:extLst>
-              <a:ext uri="{FF2B5EF4-FFF2-40B4-BE49-F238E27FC236}">
-                <a16:creationId xmlns:a16="http://schemas.microsoft.com/office/drawing/2014/main" id="{B9E6E3AF-815D-F8F3-7EA0-E94D7808EA90}"/>
-              </a:ext>
-            </a:extLst>
-          </p:cNvPr>
-          <p:cNvGrpSpPr/>
-          <p:nvPr userDrawn="1"/>
-        </p:nvGrpSpPr>
-        <p:grpSpPr>
-          <a:xfrm>
-            <a:off x="349823" y="4561080"/>
-            <a:ext cx="5744986" cy="432000"/>
-            <a:chOff x="-6089077" y="2729523"/>
-            <a:chExt cx="5744986" cy="432000"/>
-          </a:xfrm>
-        </p:grpSpPr>
-        <p:sp>
-          <p:nvSpPr>
-            <p:cNvPr id="57" name="Parallelogramm 56">
-              <a:extLst>
-                <a:ext uri="{FF2B5EF4-FFF2-40B4-BE49-F238E27FC236}">
-                  <a16:creationId xmlns:a16="http://schemas.microsoft.com/office/drawing/2014/main" id="{5369A5B8-E284-835C-8BD9-5EF5A1A452BC}"/>
-                </a:ext>
-              </a:extLst>
-            </p:cNvPr>
-            <p:cNvSpPr/>
-            <p:nvPr userDrawn="1"/>
-          </p:nvSpPr>
-          <p:spPr>
-            <a:xfrm>
-              <a:off x="-5873076" y="2786061"/>
-              <a:ext cx="5528985" cy="318924"/>
-            </a:xfrm>
-            <a:prstGeom prst="parallelogram">
-              <a:avLst>
-                <a:gd name="adj" fmla="val 44911"/>
-              </a:avLst>
-            </a:prstGeom>
-            <a:solidFill>
-              <a:schemeClr val="tx2"/>
-            </a:solidFill>
-          </p:spPr>
-          <p:txBody>
-            <a:bodyPr rot="0" spcFirstLastPara="0" vertOverflow="overflow" horzOverflow="overflow" vert="horz" wrap="none" lIns="360000" tIns="36000" rIns="0" bIns="36000" numCol="1" spcCol="0" rtlCol="0" fromWordArt="0" anchor="ctr" anchorCtr="0" forceAA="0" compatLnSpc="1">
-              <a:prstTxWarp prst="textNoShape">
-                <a:avLst/>
-              </a:prstTxWarp>
-              <a:noAutofit/>
-            </a:bodyPr>
-            <a:lstStyle/>
-            <a:p>
-              <a:pPr>
-                <a:spcBef>
-                  <a:spcPct val="0"/>
-                </a:spcBef>
-                <a:spcAft>
-                  <a:spcPct val="0"/>
-                </a:spcAft>
-              </a:pPr>
-              <a:endParaRPr lang="de-DE" sz="1600" b="1" kern="0" dirty="0">
-                <a:solidFill>
-                  <a:schemeClr val="bg1"/>
-                </a:solidFill>
-                <a:latin typeface="Arial" panose="020B0604020202020204"/>
-              </a:endParaRPr>
-            </a:p>
-          </p:txBody>
-        </p:sp>
-        <p:grpSp>
-          <p:nvGrpSpPr>
-            <p:cNvPr id="62" name="Gruppieren 61">
-              <a:extLst>
-                <a:ext uri="{FF2B5EF4-FFF2-40B4-BE49-F238E27FC236}">
-                  <a16:creationId xmlns:a16="http://schemas.microsoft.com/office/drawing/2014/main" id="{5D7ECAB0-C15C-3600-A7AC-DD81408DF5DF}"/>
-                </a:ext>
-              </a:extLst>
-            </p:cNvPr>
-            <p:cNvGrpSpPr/>
-            <p:nvPr userDrawn="1"/>
-          </p:nvGrpSpPr>
-          <p:grpSpPr>
-            <a:xfrm>
-              <a:off x="-6089077" y="2729523"/>
-              <a:ext cx="432000" cy="432000"/>
-              <a:chOff x="-969588" y="3674144"/>
-              <a:chExt cx="432000" cy="432000"/>
-            </a:xfrm>
-          </p:grpSpPr>
-          <p:sp>
-            <p:nvSpPr>
-              <p:cNvPr id="53" name="Ellipse 52">
-                <a:extLst>
-                  <a:ext uri="{FF2B5EF4-FFF2-40B4-BE49-F238E27FC236}">
-                    <a16:creationId xmlns:a16="http://schemas.microsoft.com/office/drawing/2014/main" id="{449819CB-5893-4485-6DA2-957222AF6E7E}"/>
-                  </a:ext>
-                </a:extLst>
-              </p:cNvPr>
-              <p:cNvSpPr/>
-              <p:nvPr userDrawn="1"/>
-            </p:nvSpPr>
-            <p:spPr>
-              <a:xfrm>
-                <a:off x="-969588" y="3674144"/>
-                <a:ext cx="432000" cy="432000"/>
-              </a:xfrm>
-              <a:prstGeom prst="ellipse">
-                <a:avLst/>
-              </a:prstGeom>
-              <a:solidFill>
-                <a:srgbClr val="003366"/>
-              </a:solidFill>
-              <a:ln w="57150">
-                <a:solidFill>
-                  <a:schemeClr val="bg1"/>
-                </a:solidFill>
-              </a:ln>
-            </p:spPr>
-            <p:style>
-              <a:lnRef idx="2">
-                <a:schemeClr val="accent1">
-                  <a:shade val="50000"/>
-                </a:schemeClr>
-              </a:lnRef>
-              <a:fillRef idx="1">
-                <a:schemeClr val="accent1"/>
-              </a:fillRef>
-              <a:effectRef idx="0">
-                <a:schemeClr val="accent1"/>
-              </a:effectRef>
-              <a:fontRef idx="minor">
-                <a:schemeClr val="lt1"/>
-              </a:fontRef>
-            </p:style>
-            <p:txBody>
-              <a:bodyPr rot="0" spcFirstLastPara="0" vertOverflow="overflow" horzOverflow="overflow" vert="horz" wrap="square" lIns="68580" tIns="34290" rIns="68580" bIns="34290" numCol="1" spcCol="0" rtlCol="0" fromWordArt="0" anchor="t" anchorCtr="0" forceAA="0" compatLnSpc="1">
-                <a:prstTxWarp prst="textNoShape">
-                  <a:avLst/>
-                </a:prstTxWarp>
-                <a:noAutofit/>
-              </a:bodyPr>
-              <a:lstStyle/>
-              <a:p>
-                <a:pPr algn="ctr"/>
-                <a:endParaRPr lang="de-DE">
-                  <a:solidFill>
-                    <a:schemeClr val="tx1"/>
-                  </a:solidFill>
-                  <a:latin typeface="Arial" panose="020B0604020202020204" pitchFamily="34" charset="0"/>
-                  <a:cs typeface="Arial" panose="020B0604020202020204" pitchFamily="34" charset="0"/>
-                </a:endParaRPr>
-              </a:p>
-            </p:txBody>
-          </p:sp>
-          <p:pic>
-            <p:nvPicPr>
-              <p:cNvPr id="52" name="Grafik 51" descr="Aufwärtstrend mit einfarbiger Füllung">
-                <a:extLst>
-                  <a:ext uri="{FF2B5EF4-FFF2-40B4-BE49-F238E27FC236}">
-                    <a16:creationId xmlns:a16="http://schemas.microsoft.com/office/drawing/2014/main" id="{70505792-34B2-899B-375C-98C8C4ED27BD}"/>
-                  </a:ext>
-                </a:extLst>
-              </p:cNvPr>
-              <p:cNvPicPr>
-                <a:picLocks noChangeAspect="1"/>
-              </p:cNvPicPr>
-              <p:nvPr/>
-            </p:nvPicPr>
-            <p:blipFill>
-              <a:blip r:embed="rId9" cstate="print">
-                <a:extLst>
-                  <a:ext uri="{28A0092B-C50C-407E-A947-70E740481C1C}">
-                    <a14:useLocalDpi xmlns:a14="http://schemas.microsoft.com/office/drawing/2010/main" val="0"/>
-                  </a:ext>
-                  <a:ext uri="{96DAC541-7B7A-43D3-8B79-37D633B846F1}">
-                    <asvg:svgBlip xmlns:asvg="http://schemas.microsoft.com/office/drawing/2016/SVG/main" r:embed="rId10"/>
-                  </a:ext>
-                </a:extLst>
-              </a:blip>
-              <a:stretch>
-                <a:fillRect/>
-              </a:stretch>
-            </p:blipFill>
-            <p:spPr>
-              <a:xfrm>
-                <a:off x="-868787" y="3774944"/>
-                <a:ext cx="230400" cy="230400"/>
-              </a:xfrm>
-              <a:prstGeom prst="rect">
-                <a:avLst/>
-              </a:prstGeom>
-            </p:spPr>
-          </p:pic>
-        </p:grpSp>
-        <p:sp>
-          <p:nvSpPr>
-            <p:cNvPr id="60" name="Textfeld 59">
-              <a:extLst>
-                <a:ext uri="{FF2B5EF4-FFF2-40B4-BE49-F238E27FC236}">
-                  <a16:creationId xmlns:a16="http://schemas.microsoft.com/office/drawing/2014/main" id="{E3937068-94E5-CCC7-1A40-53573519CBDC}"/>
-                </a:ext>
-              </a:extLst>
-            </p:cNvPr>
-            <p:cNvSpPr txBox="1"/>
-            <p:nvPr userDrawn="1"/>
-          </p:nvSpPr>
-          <p:spPr>
-            <a:xfrm>
-              <a:off x="-5873076" y="2822413"/>
-              <a:ext cx="3396577" cy="246221"/>
-            </a:xfrm>
-            <a:prstGeom prst="rect">
-              <a:avLst/>
-            </a:prstGeom>
-            <a:noFill/>
-            <a:ln>
-              <a:noFill/>
-            </a:ln>
-          </p:spPr>
-          <p:txBody>
-            <a:bodyPr wrap="square" lIns="360000" tIns="0" bIns="0">
-              <a:spAutoFit/>
-            </a:bodyPr>
-            <a:lstStyle/>
-            <a:p>
-              <a:pPr>
-                <a:spcBef>
-                  <a:spcPct val="0"/>
-                </a:spcBef>
-                <a:spcAft>
-                  <a:spcPct val="0"/>
-                </a:spcAft>
-              </a:pPr>
-              <a:r>
-                <a:rPr lang="de-DE" sz="1600" b="1" kern="0" dirty="0">
-                  <a:solidFill>
-                    <a:schemeClr val="bg1"/>
-                  </a:solidFill>
-                  <a:latin typeface="Arial" panose="020B0604020202020204"/>
-                </a:rPr>
-                <a:t>Impact</a:t>
-              </a:r>
-            </a:p>
-          </p:txBody>
-        </p:sp>
-      </p:grpSp>
-      <p:sp>
-        <p:nvSpPr>
-          <p:cNvPr id="9" name="Textplatzhalter 33">
-            <a:extLst>
-              <a:ext uri="{FF2B5EF4-FFF2-40B4-BE49-F238E27FC236}">
-                <a16:creationId xmlns:a16="http://schemas.microsoft.com/office/drawing/2014/main" id="{94A5A9BB-ABCC-39B6-3A2F-713163FA3754}"/>
-              </a:ext>
-            </a:extLst>
-          </p:cNvPr>
-          <p:cNvSpPr>
-            <a:spLocks noGrp="1"/>
-          </p:cNvSpPr>
-          <p:nvPr>
-            <p:ph type="body" sz="quarter" idx="28" hasCustomPrompt="1"/>
-          </p:nvPr>
-        </p:nvSpPr>
-        <p:spPr>
-          <a:xfrm>
-            <a:off x="667454" y="5088549"/>
-            <a:ext cx="1687125" cy="276999"/>
-          </a:xfrm>
-          <a:solidFill>
-            <a:schemeClr val="bg1"/>
-          </a:solidFill>
-        </p:spPr>
-        <p:txBody>
-          <a:bodyPr wrap="square" lIns="36000" tIns="0" rIns="36000" bIns="0">
-            <a:noAutofit/>
-          </a:bodyPr>
-          <a:lstStyle>
-            <a:lvl1pPr marL="0" indent="0">
-              <a:lnSpc>
-                <a:spcPct val="100000"/>
-              </a:lnSpc>
-              <a:spcBef>
-                <a:spcPts val="0"/>
-              </a:spcBef>
-              <a:buNone/>
-              <a:defRPr sz="2000" b="1">
-                <a:solidFill>
-                  <a:schemeClr val="tx1"/>
-                </a:solidFill>
-              </a:defRPr>
-            </a:lvl1pPr>
-            <a:lvl2pPr marL="265112" indent="0">
-              <a:buNone/>
-              <a:defRPr/>
-            </a:lvl2pPr>
-            <a:lvl3pPr marL="539750" indent="0">
-              <a:buNone/>
-              <a:defRPr/>
-            </a:lvl3pPr>
-            <a:lvl4pPr marL="804862" indent="0">
-              <a:buNone/>
-              <a:defRPr/>
-            </a:lvl4pPr>
-            <a:lvl5pPr marL="1079500" indent="0">
-              <a:buNone/>
-              <a:defRPr/>
-            </a:lvl5pPr>
-          </a:lstStyle>
-          <a:p>
-            <a:pPr marL="0" marR="0" lvl="0" indent="0" algn="l" defTabSz="914400" rtl="0" eaLnBrk="1" fontAlgn="auto" latinLnBrk="0" hangingPunct="1">
-              <a:lnSpc>
-                <a:spcPct val="90000"/>
-              </a:lnSpc>
-              <a:spcBef>
-                <a:spcPts val="1000"/>
-              </a:spcBef>
-              <a:spcAft>
-                <a:spcPts val="0"/>
-              </a:spcAft>
-              <a:buClrTx/>
-              <a:buSzTx/>
-              <a:buFont typeface="Arial" panose="020B0604020202020204" pitchFamily="34" charset="0"/>
-              <a:buNone/>
-              <a:tabLst/>
-              <a:defRPr/>
-            </a:pPr>
-            <a:r>
-              <a:rPr lang="de-DE" dirty="0"/>
-              <a:t>KPI 1</a:t>
-            </a:r>
-          </a:p>
-        </p:txBody>
-      </p:sp>
-      <p:sp>
-        <p:nvSpPr>
-          <p:cNvPr id="10" name="Textplatzhalter 33">
-            <a:extLst>
-              <a:ext uri="{FF2B5EF4-FFF2-40B4-BE49-F238E27FC236}">
-                <a16:creationId xmlns:a16="http://schemas.microsoft.com/office/drawing/2014/main" id="{AC1F128E-9AF3-155A-C1E0-726D665CEAB3}"/>
-              </a:ext>
-            </a:extLst>
-          </p:cNvPr>
-          <p:cNvSpPr>
-            <a:spLocks noGrp="1"/>
-          </p:cNvSpPr>
-          <p:nvPr>
-            <p:ph type="body" sz="quarter" idx="29" hasCustomPrompt="1"/>
-          </p:nvPr>
-        </p:nvSpPr>
-        <p:spPr>
-          <a:xfrm>
-            <a:off x="667455" y="5365548"/>
-            <a:ext cx="1687125" cy="606780"/>
-          </a:xfrm>
-          <a:solidFill>
-            <a:schemeClr val="bg1"/>
-          </a:solidFill>
-        </p:spPr>
-        <p:txBody>
-          <a:bodyPr lIns="36000" tIns="0" rIns="36000" bIns="108000">
-            <a:noAutofit/>
-          </a:bodyPr>
-          <a:lstStyle>
-            <a:lvl1pPr marL="0" indent="0">
-              <a:lnSpc>
-                <a:spcPct val="100000"/>
-              </a:lnSpc>
-              <a:spcBef>
-                <a:spcPts val="0"/>
-              </a:spcBef>
-              <a:buFont typeface="Arial" panose="020B0604020202020204" pitchFamily="34" charset="0"/>
-              <a:buNone/>
-              <a:defRPr sz="1200">
-                <a:solidFill>
-                  <a:schemeClr val="tx1"/>
-                </a:solidFill>
-              </a:defRPr>
-            </a:lvl1pPr>
-            <a:lvl2pPr marL="265112" indent="0">
-              <a:buNone/>
-              <a:defRPr/>
-            </a:lvl2pPr>
-            <a:lvl3pPr marL="539750" indent="0">
-              <a:buNone/>
-              <a:defRPr/>
-            </a:lvl3pPr>
-            <a:lvl4pPr marL="804862" indent="0">
-              <a:buNone/>
-              <a:defRPr/>
-            </a:lvl4pPr>
-            <a:lvl5pPr marL="1079500" indent="0">
-              <a:buNone/>
-              <a:defRPr/>
-            </a:lvl5pPr>
-          </a:lstStyle>
-          <a:p>
-            <a:pPr marL="285750" marR="0" lvl="0" indent="-285750" algn="l" defTabSz="914400" rtl="0" eaLnBrk="1" fontAlgn="auto" latinLnBrk="0" hangingPunct="1">
-              <a:lnSpc>
-                <a:spcPct val="90000"/>
-              </a:lnSpc>
-              <a:spcBef>
-                <a:spcPts val="1000"/>
-              </a:spcBef>
-              <a:spcAft>
-                <a:spcPts val="0"/>
-              </a:spcAft>
-              <a:buClrTx/>
-              <a:buSzTx/>
-              <a:tabLst/>
-              <a:defRPr/>
-            </a:pPr>
-            <a:r>
-              <a:rPr lang="de-DE" dirty="0"/>
-              <a:t>Description KPI </a:t>
-            </a:r>
-          </a:p>
-        </p:txBody>
-      </p:sp>
-      <p:sp>
-        <p:nvSpPr>
-          <p:cNvPr id="16" name="Textplatzhalter 33">
-            <a:extLst>
-              <a:ext uri="{FF2B5EF4-FFF2-40B4-BE49-F238E27FC236}">
-                <a16:creationId xmlns:a16="http://schemas.microsoft.com/office/drawing/2014/main" id="{AA11F49E-35B8-0CCD-FA07-157FA808BB78}"/>
-              </a:ext>
-            </a:extLst>
-          </p:cNvPr>
-          <p:cNvSpPr>
-            <a:spLocks noGrp="1"/>
-          </p:cNvSpPr>
-          <p:nvPr>
-            <p:ph type="body" sz="quarter" idx="30" hasCustomPrompt="1"/>
-          </p:nvPr>
-        </p:nvSpPr>
-        <p:spPr>
-          <a:xfrm>
-            <a:off x="2538248" y="5088549"/>
-            <a:ext cx="1687125" cy="276999"/>
-          </a:xfrm>
-          <a:solidFill>
-            <a:schemeClr val="bg1"/>
-          </a:solidFill>
-        </p:spPr>
-        <p:txBody>
-          <a:bodyPr wrap="square" lIns="36000" tIns="0" rIns="36000" bIns="0">
-            <a:noAutofit/>
-          </a:bodyPr>
-          <a:lstStyle>
-            <a:lvl1pPr marL="0" indent="0">
-              <a:lnSpc>
-                <a:spcPct val="100000"/>
-              </a:lnSpc>
-              <a:spcBef>
-                <a:spcPts val="0"/>
-              </a:spcBef>
-              <a:buNone/>
-              <a:defRPr sz="2000" b="1">
-                <a:solidFill>
-                  <a:schemeClr val="tx1"/>
-                </a:solidFill>
-              </a:defRPr>
-            </a:lvl1pPr>
-            <a:lvl2pPr marL="265112" indent="0">
-              <a:buNone/>
-              <a:defRPr/>
-            </a:lvl2pPr>
-            <a:lvl3pPr marL="539750" indent="0">
-              <a:buNone/>
-              <a:defRPr/>
-            </a:lvl3pPr>
-            <a:lvl4pPr marL="804862" indent="0">
-              <a:buNone/>
-              <a:defRPr/>
-            </a:lvl4pPr>
-            <a:lvl5pPr marL="1079500" indent="0">
-              <a:buNone/>
-              <a:defRPr/>
-            </a:lvl5pPr>
-          </a:lstStyle>
-          <a:p>
-            <a:pPr marL="0" marR="0" lvl="0" indent="0" algn="l" defTabSz="914400" rtl="0" eaLnBrk="1" fontAlgn="auto" latinLnBrk="0" hangingPunct="1">
-              <a:lnSpc>
-                <a:spcPct val="90000"/>
-              </a:lnSpc>
-              <a:spcBef>
-                <a:spcPts val="1000"/>
-              </a:spcBef>
-              <a:spcAft>
-                <a:spcPts val="0"/>
-              </a:spcAft>
-              <a:buClrTx/>
-              <a:buSzTx/>
-              <a:buFont typeface="Arial" panose="020B0604020202020204" pitchFamily="34" charset="0"/>
-              <a:buNone/>
-              <a:tabLst/>
-              <a:defRPr/>
-            </a:pPr>
-            <a:r>
-              <a:rPr lang="de-DE" dirty="0"/>
-              <a:t>KPI 2</a:t>
-            </a:r>
-          </a:p>
-        </p:txBody>
-      </p:sp>
-      <p:sp>
-        <p:nvSpPr>
-          <p:cNvPr id="17" name="Textplatzhalter 33">
-            <a:extLst>
-              <a:ext uri="{FF2B5EF4-FFF2-40B4-BE49-F238E27FC236}">
-                <a16:creationId xmlns:a16="http://schemas.microsoft.com/office/drawing/2014/main" id="{74AD7922-9B87-EE49-00E6-CA6C09DFEC3B}"/>
-              </a:ext>
-            </a:extLst>
-          </p:cNvPr>
-          <p:cNvSpPr>
-            <a:spLocks noGrp="1"/>
-          </p:cNvSpPr>
-          <p:nvPr>
-            <p:ph type="body" sz="quarter" idx="31" hasCustomPrompt="1"/>
-          </p:nvPr>
-        </p:nvSpPr>
-        <p:spPr>
-          <a:xfrm>
-            <a:off x="2538248" y="5365548"/>
-            <a:ext cx="1687125" cy="606780"/>
-          </a:xfrm>
-          <a:solidFill>
-            <a:schemeClr val="bg1"/>
-          </a:solidFill>
-        </p:spPr>
-        <p:txBody>
-          <a:bodyPr lIns="36000" tIns="0" rIns="36000" bIns="108000">
-            <a:noAutofit/>
-          </a:bodyPr>
-          <a:lstStyle>
-            <a:lvl1pPr marL="0" indent="0">
-              <a:lnSpc>
-                <a:spcPct val="100000"/>
-              </a:lnSpc>
-              <a:spcBef>
-                <a:spcPts val="0"/>
-              </a:spcBef>
-              <a:buFont typeface="Arial" panose="020B0604020202020204" pitchFamily="34" charset="0"/>
-              <a:buNone/>
-              <a:defRPr sz="1200">
-                <a:solidFill>
-                  <a:schemeClr val="tx1"/>
-                </a:solidFill>
-              </a:defRPr>
-            </a:lvl1pPr>
-            <a:lvl2pPr marL="265112" indent="0">
-              <a:buNone/>
-              <a:defRPr/>
-            </a:lvl2pPr>
-            <a:lvl3pPr marL="539750" indent="0">
-              <a:buNone/>
-              <a:defRPr/>
-            </a:lvl3pPr>
-            <a:lvl4pPr marL="804862" indent="0">
-              <a:buNone/>
-              <a:defRPr/>
-            </a:lvl4pPr>
-            <a:lvl5pPr marL="1079500" indent="0">
-              <a:buNone/>
-              <a:defRPr/>
-            </a:lvl5pPr>
-          </a:lstStyle>
-          <a:p>
-            <a:pPr marL="285750" marR="0" lvl="0" indent="-285750" algn="l" defTabSz="914400" rtl="0" eaLnBrk="1" fontAlgn="auto" latinLnBrk="0" hangingPunct="1">
-              <a:lnSpc>
-                <a:spcPct val="90000"/>
-              </a:lnSpc>
-              <a:spcBef>
-                <a:spcPts val="1000"/>
-              </a:spcBef>
-              <a:spcAft>
-                <a:spcPts val="0"/>
-              </a:spcAft>
-              <a:buClrTx/>
-              <a:buSzTx/>
-              <a:tabLst/>
-              <a:defRPr/>
-            </a:pPr>
-            <a:r>
-              <a:rPr lang="de-DE" dirty="0"/>
-              <a:t>Description KPI 2</a:t>
-            </a:r>
-          </a:p>
-        </p:txBody>
-      </p:sp>
-      <p:sp>
-        <p:nvSpPr>
-          <p:cNvPr id="18" name="Textplatzhalter 33">
-            <a:extLst>
-              <a:ext uri="{FF2B5EF4-FFF2-40B4-BE49-F238E27FC236}">
-                <a16:creationId xmlns:a16="http://schemas.microsoft.com/office/drawing/2014/main" id="{E8A4FF14-553B-08AC-2A2B-6F1C3B25BB0B}"/>
-              </a:ext>
-            </a:extLst>
-          </p:cNvPr>
-          <p:cNvSpPr>
-            <a:spLocks noGrp="1"/>
-          </p:cNvSpPr>
-          <p:nvPr>
-            <p:ph type="body" sz="quarter" idx="32" hasCustomPrompt="1"/>
-          </p:nvPr>
-        </p:nvSpPr>
-        <p:spPr>
-          <a:xfrm>
-            <a:off x="4409041" y="5088549"/>
-            <a:ext cx="1687125" cy="276999"/>
-          </a:xfrm>
-          <a:solidFill>
-            <a:schemeClr val="bg1"/>
-          </a:solidFill>
-        </p:spPr>
-        <p:txBody>
-          <a:bodyPr wrap="square" lIns="36000" tIns="0" rIns="36000" bIns="0">
-            <a:noAutofit/>
-          </a:bodyPr>
-          <a:lstStyle>
-            <a:lvl1pPr marL="0" indent="0">
-              <a:lnSpc>
-                <a:spcPct val="100000"/>
-              </a:lnSpc>
-              <a:spcBef>
-                <a:spcPts val="0"/>
-              </a:spcBef>
-              <a:buNone/>
-              <a:defRPr sz="2000" b="1">
-                <a:solidFill>
-                  <a:schemeClr val="tx1"/>
-                </a:solidFill>
-              </a:defRPr>
-            </a:lvl1pPr>
-            <a:lvl2pPr marL="265112" indent="0">
-              <a:buNone/>
-              <a:defRPr/>
-            </a:lvl2pPr>
-            <a:lvl3pPr marL="539750" indent="0">
-              <a:buNone/>
-              <a:defRPr/>
-            </a:lvl3pPr>
-            <a:lvl4pPr marL="804862" indent="0">
-              <a:buNone/>
-              <a:defRPr/>
-            </a:lvl4pPr>
-            <a:lvl5pPr marL="1079500" indent="0">
-              <a:buNone/>
-              <a:defRPr/>
-            </a:lvl5pPr>
-          </a:lstStyle>
-          <a:p>
-            <a:pPr marL="0" marR="0" lvl="0" indent="0" algn="l" defTabSz="914400" rtl="0" eaLnBrk="1" fontAlgn="auto" latinLnBrk="0" hangingPunct="1">
-              <a:lnSpc>
-                <a:spcPct val="90000"/>
-              </a:lnSpc>
-              <a:spcBef>
-                <a:spcPts val="1000"/>
-              </a:spcBef>
-              <a:spcAft>
-                <a:spcPts val="0"/>
-              </a:spcAft>
-              <a:buClrTx/>
-              <a:buSzTx/>
-              <a:buFont typeface="Arial" panose="020B0604020202020204" pitchFamily="34" charset="0"/>
-              <a:buNone/>
-              <a:tabLst/>
-              <a:defRPr/>
-            </a:pPr>
-            <a:r>
-              <a:rPr lang="de-DE" dirty="0"/>
-              <a:t>KPI 3</a:t>
-            </a:r>
-          </a:p>
-        </p:txBody>
-      </p:sp>
-      <p:sp>
-        <p:nvSpPr>
-          <p:cNvPr id="21" name="Textplatzhalter 33">
-            <a:extLst>
-              <a:ext uri="{FF2B5EF4-FFF2-40B4-BE49-F238E27FC236}">
-                <a16:creationId xmlns:a16="http://schemas.microsoft.com/office/drawing/2014/main" id="{A6008075-246C-48E1-1042-AB5743C154CB}"/>
-              </a:ext>
-            </a:extLst>
-          </p:cNvPr>
-          <p:cNvSpPr>
-            <a:spLocks noGrp="1"/>
-          </p:cNvSpPr>
-          <p:nvPr>
-            <p:ph type="body" sz="quarter" idx="33" hasCustomPrompt="1"/>
-          </p:nvPr>
-        </p:nvSpPr>
-        <p:spPr>
-          <a:xfrm>
-            <a:off x="4409041" y="5365548"/>
-            <a:ext cx="1687125" cy="606780"/>
-          </a:xfrm>
-          <a:solidFill>
-            <a:schemeClr val="bg1"/>
-          </a:solidFill>
-        </p:spPr>
-        <p:txBody>
-          <a:bodyPr lIns="36000" tIns="0" rIns="36000" bIns="108000">
-            <a:noAutofit/>
-          </a:bodyPr>
-          <a:lstStyle>
-            <a:lvl1pPr marL="0" indent="0">
-              <a:lnSpc>
-                <a:spcPct val="100000"/>
-              </a:lnSpc>
-              <a:spcBef>
-                <a:spcPts val="0"/>
-              </a:spcBef>
-              <a:buFont typeface="Arial" panose="020B0604020202020204" pitchFamily="34" charset="0"/>
-              <a:buNone/>
-              <a:defRPr sz="1200">
-                <a:solidFill>
-                  <a:schemeClr val="tx1"/>
-                </a:solidFill>
-              </a:defRPr>
-            </a:lvl1pPr>
-            <a:lvl2pPr marL="265112" indent="0">
-              <a:buNone/>
-              <a:defRPr/>
-            </a:lvl2pPr>
-            <a:lvl3pPr marL="539750" indent="0">
-              <a:buNone/>
-              <a:defRPr/>
-            </a:lvl3pPr>
-            <a:lvl4pPr marL="804862" indent="0">
-              <a:buNone/>
-              <a:defRPr/>
-            </a:lvl4pPr>
-            <a:lvl5pPr marL="1079500" indent="0">
-              <a:buNone/>
-              <a:defRPr/>
-            </a:lvl5pPr>
-          </a:lstStyle>
-          <a:p>
-            <a:pPr marL="285750" marR="0" lvl="0" indent="-285750" algn="l" defTabSz="914400" rtl="0" eaLnBrk="1" fontAlgn="auto" latinLnBrk="0" hangingPunct="1">
-              <a:lnSpc>
-                <a:spcPct val="90000"/>
-              </a:lnSpc>
-              <a:spcBef>
-                <a:spcPts val="1000"/>
-              </a:spcBef>
-              <a:spcAft>
-                <a:spcPts val="0"/>
-              </a:spcAft>
-              <a:buClrTx/>
-              <a:buSzTx/>
-              <a:tabLst/>
-              <a:defRPr/>
-            </a:pPr>
-            <a:r>
-              <a:rPr lang="de-DE" dirty="0"/>
-              <a:t>Description KPI 3</a:t>
-            </a:r>
-          </a:p>
-        </p:txBody>
-      </p:sp>
-    </p:spTree>
-    <p:extLst>
-      <p:ext uri="{BB962C8B-B14F-4D97-AF65-F5344CB8AC3E}">
-        <p14:creationId xmlns:p14="http://schemas.microsoft.com/office/powerpoint/2010/main" val="610450036"/>
-      </p:ext>
-    </p:extLst>
-  </p:cSld>
-  <p:clrMapOvr>
-    <a:masterClrMapping/>
-  </p:clrMapOvr>
-  <p:extLst>
-    <p:ext uri="{DCECCB84-F9BA-43D5-87BE-67443E8EF086}">
-      <p15:sldGuideLst xmlns:p15="http://schemas.microsoft.com/office/powerpoint/2012/main">
-        <p15:guide id="1" orient="horz" pos="2001">
-          <p15:clr>
-            <a:srgbClr val="FBAE40"/>
-          </p15:clr>
-        </p15:guide>
-      </p15:sldGuideLst>
-    </p:ext>
-  </p:extLst>
-</p:sldLayout>
-</file>
-
-<file path=ppt/slideLayouts/slideLayout2.xml><?xml version="1.0" encoding="utf-8"?>
-<p:sldLayout xmlns:a="http://schemas.openxmlformats.org/drawingml/2006/main" xmlns:r="http://schemas.openxmlformats.org/officeDocument/2006/relationships" xmlns:p="http://schemas.openxmlformats.org/presentationml/2006/main" preserve="1" userDrawn="1">
-  <p:cSld name="2_Use Case (en)">
-    <p:spTree>
-      <p:nvGrpSpPr>
-        <p:cNvPr id="1" name=""/>
-        <p:cNvGrpSpPr/>
-        <p:nvPr/>
-      </p:nvGrpSpPr>
-      <p:grpSpPr>
-        <a:xfrm>
-          <a:off x="0" y="0"/>
-          <a:ext cx="0" cy="0"/>
-          <a:chOff x="0" y="0"/>
-          <a:chExt cx="0" cy="0"/>
-        </a:xfrm>
-      </p:grpSpPr>
-      <p:graphicFrame>
-        <p:nvGraphicFramePr>
-          <p:cNvPr id="4" name="Objekt 3" hidden="1">
-            <a:extLst>
-              <a:ext uri="{FF2B5EF4-FFF2-40B4-BE49-F238E27FC236}">
-                <a16:creationId xmlns:a16="http://schemas.microsoft.com/office/drawing/2014/main" id="{7E1283FF-1F57-7F70-DD9E-8C2D47584803}"/>
-              </a:ext>
-            </a:extLst>
-          </p:cNvPr>
-          <p:cNvGraphicFramePr>
-            <a:graphicFrameLocks noChangeAspect="1"/>
-          </p:cNvGraphicFramePr>
-          <p:nvPr userDrawn="1">
-            <p:custDataLst>
-              <p:tags r:id="rId1"/>
-            </p:custDataLst>
-            <p:extLst>
-              <p:ext uri="{D42A27DB-BD31-4B8C-83A1-F6EECF244321}">
-                <p14:modId xmlns:p14="http://schemas.microsoft.com/office/powerpoint/2010/main" val="1986413475"/>
-              </p:ext>
-            </p:extLst>
-          </p:nvPr>
-        </p:nvGraphicFramePr>
-        <p:xfrm>
-          <a:off x="1588" y="1588"/>
-          <a:ext cx="1588" cy="1588"/>
-        </p:xfrm>
-        <a:graphic>
-          <a:graphicData uri="http://schemas.openxmlformats.org/presentationml/2006/ole">
-            <mc:AlternateContent xmlns:mc="http://schemas.openxmlformats.org/markup-compatibility/2006">
-              <mc:Choice xmlns:v="urn:schemas-microsoft-com:vml" Requires="v">
-                <p:oleObj name="think-cell Folie" r:id="rId3" imgW="353" imgH="353" progId="TCLayout.ActiveDocument.1">
-                  <p:embed/>
-                </p:oleObj>
-              </mc:Choice>
-              <mc:Fallback>
-                <p:oleObj name="think-cell Folie" r:id="rId3" imgW="353" imgH="353" progId="TCLayout.ActiveDocument.1">
-                  <p:embed/>
-                  <p:pic>
-                    <p:nvPicPr>
-                      <p:cNvPr id="4" name="Objekt 3" hidden="1">
-                        <a:extLst>
-                          <a:ext uri="{FF2B5EF4-FFF2-40B4-BE49-F238E27FC236}">
-                            <a16:creationId xmlns:a16="http://schemas.microsoft.com/office/drawing/2014/main" id="{7E1283FF-1F57-7F70-DD9E-8C2D47584803}"/>
-                          </a:ext>
-                        </a:extLst>
-                      </p:cNvPr>
-                      <p:cNvPicPr/>
-                      <p:nvPr/>
-                    </p:nvPicPr>
-                    <p:blipFill>
-                      <a:blip r:embed="rId4"/>
-                      <a:stretch>
-                        <a:fillRect/>
-                      </a:stretch>
-                    </p:blipFill>
-                    <p:spPr>
-                      <a:xfrm>
-                        <a:off x="1588" y="1588"/>
-                        <a:ext cx="1588" cy="1588"/>
-                      </a:xfrm>
-                      <a:prstGeom prst="rect">
-                        <a:avLst/>
-                      </a:prstGeom>
-                    </p:spPr>
-                  </p:pic>
-                </p:oleObj>
-              </mc:Fallback>
-            </mc:AlternateContent>
-          </a:graphicData>
-        </a:graphic>
-      </p:graphicFrame>
-      <p:sp>
-        <p:nvSpPr>
-          <p:cNvPr id="14" name="Rectangle 35"/>
-          <p:cNvSpPr>
-            <a:spLocks noGrp="1" noChangeArrowheads="1"/>
-          </p:cNvSpPr>
-          <p:nvPr>
-            <p:ph type="title" hasCustomPrompt="1"/>
-          </p:nvPr>
-        </p:nvSpPr>
-        <p:spPr bwMode="auto">
-          <a:xfrm>
-            <a:off x="334962" y="0"/>
-            <a:ext cx="11522075" cy="586860"/>
-          </a:xfrm>
-          <a:prstGeom prst="rect">
-            <a:avLst/>
-          </a:prstGeom>
-          <a:solidFill>
-            <a:schemeClr val="bg1">
-              <a:alpha val="43000"/>
-            </a:schemeClr>
-          </a:solidFill>
-          <a:ln w="9525">
-            <a:noFill/>
-            <a:miter lim="800000"/>
-            <a:headEnd/>
-            <a:tailEnd/>
-          </a:ln>
-        </p:spPr>
-        <p:txBody>
-          <a:bodyPr vert="horz" wrap="square" lIns="0" tIns="0" rIns="0" bIns="0" numCol="1" anchor="b" anchorCtr="0" compatLnSpc="1">
-            <a:prstTxWarp prst="textNoShape">
-              <a:avLst/>
-            </a:prstTxWarp>
-            <a:noAutofit/>
-          </a:bodyPr>
-          <a:lstStyle>
-            <a:lvl1pPr>
-              <a:defRPr lang="de-DE" dirty="0"/>
-            </a:lvl1pPr>
-          </a:lstStyle>
-          <a:p>
-            <a:pPr marL="0" lvl="0"/>
-            <a:r>
-              <a:rPr lang="de-DE" dirty="0"/>
-              <a:t>Actiontitle</a:t>
-            </a:r>
-          </a:p>
-        </p:txBody>
-      </p:sp>
-      <p:sp>
-        <p:nvSpPr>
-          <p:cNvPr id="37" name="Textplatzhalter 33">
-            <a:extLst>
-              <a:ext uri="{FF2B5EF4-FFF2-40B4-BE49-F238E27FC236}">
-                <a16:creationId xmlns:a16="http://schemas.microsoft.com/office/drawing/2014/main" id="{A3E7E7F6-EB4C-C39D-C5E9-C4EFD4B01185}"/>
-              </a:ext>
-            </a:extLst>
-          </p:cNvPr>
-          <p:cNvSpPr>
-            <a:spLocks noGrp="1"/>
-          </p:cNvSpPr>
-          <p:nvPr>
-            <p:ph type="body" sz="quarter" idx="11" hasCustomPrompt="1"/>
-          </p:nvPr>
-        </p:nvSpPr>
-        <p:spPr>
-          <a:xfrm>
-            <a:off x="667454" y="3159363"/>
-            <a:ext cx="5428713" cy="1306248"/>
-          </a:xfrm>
-        </p:spPr>
-        <p:txBody>
-          <a:bodyPr lIns="36000" tIns="36000" rIns="36000" bIns="36000" numCol="2" spcCol="18000">
-            <a:noAutofit/>
-          </a:bodyPr>
-          <a:lstStyle>
-            <a:lvl1pPr marL="177800" indent="-177800">
-              <a:lnSpc>
-                <a:spcPct val="100000"/>
-              </a:lnSpc>
-              <a:spcBef>
-                <a:spcPts val="200"/>
-              </a:spcBef>
-              <a:buFont typeface="Wingdings" panose="05000000000000000000" pitchFamily="2" charset="2"/>
-              <a:buChar char="§"/>
-              <a:defRPr sz="1050"/>
-            </a:lvl1pPr>
-            <a:lvl2pPr marL="265112" indent="0">
-              <a:buNone/>
-              <a:defRPr/>
-            </a:lvl2pPr>
-            <a:lvl3pPr marL="539750" indent="0">
-              <a:buNone/>
-              <a:defRPr/>
-            </a:lvl3pPr>
-            <a:lvl4pPr marL="804862" indent="0">
-              <a:buNone/>
-              <a:defRPr/>
-            </a:lvl4pPr>
-            <a:lvl5pPr marL="1079500" indent="0">
-              <a:buNone/>
-              <a:defRPr/>
-            </a:lvl5pPr>
-          </a:lstStyle>
-          <a:p>
-            <a:pPr lvl="0"/>
-            <a:r>
-              <a:rPr lang="de-DE" dirty="0"/>
-              <a:t>Unser Lösungskonzept (6-8 Stichpunkte)</a:t>
-            </a:r>
-          </a:p>
-          <a:p>
-            <a:pPr lvl="0"/>
-            <a:r>
-              <a:rPr lang="de-DE" dirty="0"/>
-              <a:t>Schriftgröße 11</a:t>
-            </a:r>
-          </a:p>
-        </p:txBody>
-      </p:sp>
-      <p:sp>
-        <p:nvSpPr>
-          <p:cNvPr id="34" name="Textplatzhalter 33">
-            <a:extLst>
-              <a:ext uri="{FF2B5EF4-FFF2-40B4-BE49-F238E27FC236}">
-                <a16:creationId xmlns:a16="http://schemas.microsoft.com/office/drawing/2014/main" id="{EB7E76E3-CA0F-0894-6D31-5EB2ED27974D}"/>
-              </a:ext>
-            </a:extLst>
-          </p:cNvPr>
-          <p:cNvSpPr>
-            <a:spLocks noGrp="1"/>
-          </p:cNvSpPr>
-          <p:nvPr>
-            <p:ph type="body" sz="quarter" idx="10" hasCustomPrompt="1"/>
-          </p:nvPr>
-        </p:nvSpPr>
-        <p:spPr>
-          <a:xfrm>
-            <a:off x="629808" y="1383975"/>
-            <a:ext cx="5466359" cy="1365365"/>
-          </a:xfrm>
-        </p:spPr>
-        <p:txBody>
-          <a:bodyPr lIns="36000" tIns="36000" rIns="36000" bIns="36000">
-            <a:noAutofit/>
-          </a:bodyPr>
-          <a:lstStyle>
-            <a:lvl1pPr marL="0" indent="0" algn="just">
-              <a:lnSpc>
-                <a:spcPct val="100000"/>
-              </a:lnSpc>
-              <a:spcBef>
-                <a:spcPts val="0"/>
-              </a:spcBef>
-              <a:buNone/>
-              <a:defRPr sz="1050"/>
-            </a:lvl1pPr>
-            <a:lvl2pPr marL="265112" indent="0">
-              <a:buNone/>
-              <a:defRPr/>
-            </a:lvl2pPr>
-            <a:lvl3pPr marL="539750" indent="0">
-              <a:buNone/>
-              <a:defRPr/>
-            </a:lvl3pPr>
-            <a:lvl4pPr marL="804862" indent="0">
-              <a:buNone/>
-              <a:defRPr/>
-            </a:lvl4pPr>
-            <a:lvl5pPr marL="1079500" indent="0">
-              <a:buNone/>
-              <a:defRPr/>
-            </a:lvl5pPr>
-          </a:lstStyle>
-          <a:p>
-            <a:r>
-              <a:rPr lang="de-DE" dirty="0"/>
-              <a:t>Initial Situation &amp; Challenge</a:t>
-            </a:r>
-          </a:p>
-        </p:txBody>
-      </p:sp>
-      <p:cxnSp>
-        <p:nvCxnSpPr>
-          <p:cNvPr id="19" name="Gerader Verbinder 18">
-            <a:extLst>
-              <a:ext uri="{FF2B5EF4-FFF2-40B4-BE49-F238E27FC236}">
-                <a16:creationId xmlns:a16="http://schemas.microsoft.com/office/drawing/2014/main" id="{9D23A2AC-4D01-2523-DC9D-3E9ABE6F73C2}"/>
-              </a:ext>
-            </a:extLst>
-          </p:cNvPr>
-          <p:cNvCxnSpPr>
-            <a:cxnSpLocks/>
-          </p:cNvCxnSpPr>
-          <p:nvPr userDrawn="1"/>
-        </p:nvCxnSpPr>
-        <p:spPr>
-          <a:xfrm>
-            <a:off x="6186879" y="1085134"/>
-            <a:ext cx="0" cy="5242724"/>
-          </a:xfrm>
-          <a:prstGeom prst="line">
-            <a:avLst/>
-          </a:prstGeom>
-          <a:ln>
-            <a:solidFill>
-              <a:schemeClr val="accent1"/>
-            </a:solidFill>
-          </a:ln>
-        </p:spPr>
-        <p:style>
-          <a:lnRef idx="1">
-            <a:schemeClr val="accent1"/>
-          </a:lnRef>
-          <a:fillRef idx="0">
-            <a:schemeClr val="accent1"/>
-          </a:fillRef>
-          <a:effectRef idx="0">
-            <a:schemeClr val="accent1"/>
-          </a:effectRef>
-          <a:fontRef idx="minor">
-            <a:schemeClr val="tx1"/>
-          </a:fontRef>
-        </p:style>
-      </p:cxnSp>
-      <p:sp>
-        <p:nvSpPr>
-          <p:cNvPr id="39" name="Textplatzhalter 33">
-            <a:extLst>
-              <a:ext uri="{FF2B5EF4-FFF2-40B4-BE49-F238E27FC236}">
-                <a16:creationId xmlns:a16="http://schemas.microsoft.com/office/drawing/2014/main" id="{6BCA1A3C-C81C-36A0-16B3-4DF28C6F88C6}"/>
-              </a:ext>
-            </a:extLst>
-          </p:cNvPr>
-          <p:cNvSpPr>
-            <a:spLocks noGrp="1"/>
-          </p:cNvSpPr>
-          <p:nvPr>
-            <p:ph type="body" sz="quarter" idx="12" hasCustomPrompt="1"/>
-          </p:nvPr>
-        </p:nvSpPr>
-        <p:spPr>
-          <a:xfrm>
-            <a:off x="629542" y="4955618"/>
-            <a:ext cx="1116000" cy="288147"/>
-          </a:xfrm>
-          <a:solidFill>
-            <a:schemeClr val="bg1"/>
-          </a:solidFill>
-        </p:spPr>
-        <p:txBody>
-          <a:bodyPr wrap="square" lIns="0" tIns="0" rIns="36000" bIns="0" anchor="ctr">
-            <a:noAutofit/>
-          </a:bodyPr>
-          <a:lstStyle>
-            <a:lvl1pPr marL="0" indent="0" algn="r">
-              <a:lnSpc>
-                <a:spcPct val="100000"/>
-              </a:lnSpc>
-              <a:spcBef>
-                <a:spcPts val="0"/>
-              </a:spcBef>
-              <a:spcAft>
-                <a:spcPts val="400"/>
-              </a:spcAft>
-              <a:buNone/>
-              <a:defRPr sz="1400" b="1" u="none"/>
-            </a:lvl1pPr>
-            <a:lvl2pPr marL="265112" indent="0">
-              <a:buNone/>
-              <a:defRPr/>
-            </a:lvl2pPr>
-            <a:lvl3pPr marL="539750" indent="0">
-              <a:buNone/>
-              <a:defRPr/>
-            </a:lvl3pPr>
-            <a:lvl4pPr marL="804862" indent="0">
-              <a:buNone/>
-              <a:defRPr/>
-            </a:lvl4pPr>
-            <a:lvl5pPr marL="1079500" indent="0">
-              <a:buNone/>
-              <a:defRPr/>
-            </a:lvl5pPr>
-          </a:lstStyle>
-          <a:p>
-            <a:r>
-              <a:rPr lang="en-US" dirty="0"/>
-              <a:t>KPI 1</a:t>
-            </a:r>
-          </a:p>
-        </p:txBody>
-      </p:sp>
-      <p:sp>
-        <p:nvSpPr>
-          <p:cNvPr id="40" name="Textplatzhalter 33">
-            <a:extLst>
-              <a:ext uri="{FF2B5EF4-FFF2-40B4-BE49-F238E27FC236}">
-                <a16:creationId xmlns:a16="http://schemas.microsoft.com/office/drawing/2014/main" id="{27C2E5AD-BDA1-9F17-AB59-857A7131DACF}"/>
-              </a:ext>
-            </a:extLst>
-          </p:cNvPr>
-          <p:cNvSpPr>
-            <a:spLocks noGrp="1"/>
-          </p:cNvSpPr>
-          <p:nvPr>
-            <p:ph type="body" sz="quarter" idx="13" hasCustomPrompt="1"/>
-          </p:nvPr>
-        </p:nvSpPr>
-        <p:spPr>
-          <a:xfrm>
-            <a:off x="6714311" y="1260038"/>
-            <a:ext cx="4696638" cy="1319198"/>
-          </a:xfrm>
-        </p:spPr>
-        <p:txBody>
-          <a:bodyPr lIns="36000" tIns="36000" rIns="36000" bIns="36000" anchor="ctr">
-            <a:spAutoFit/>
-          </a:bodyPr>
-          <a:lstStyle>
-            <a:lvl1pPr marL="0" indent="0" algn="ctr">
-              <a:lnSpc>
-                <a:spcPct val="100000"/>
-              </a:lnSpc>
-              <a:spcBef>
-                <a:spcPts val="600"/>
-              </a:spcBef>
-              <a:buNone/>
-              <a:defRPr sz="1800">
-                <a:solidFill>
-                  <a:schemeClr val="tx2"/>
-                </a:solidFill>
-              </a:defRPr>
-            </a:lvl1pPr>
-            <a:lvl2pPr marL="265112" indent="0">
-              <a:buNone/>
-              <a:defRPr/>
-            </a:lvl2pPr>
-            <a:lvl3pPr marL="539750" indent="0">
-              <a:buNone/>
-              <a:defRPr/>
-            </a:lvl3pPr>
-            <a:lvl4pPr marL="804862" indent="0">
-              <a:buNone/>
-              <a:defRPr/>
-            </a:lvl4pPr>
-            <a:lvl5pPr marL="1079500" indent="0">
-              <a:buNone/>
-              <a:defRPr/>
-            </a:lvl5pPr>
-          </a:lstStyle>
-          <a:p>
-            <a:pPr marL="0" marR="0" lvl="0" indent="0" algn="l" defTabSz="914400" rtl="0" eaLnBrk="1" fontAlgn="auto" latinLnBrk="0" hangingPunct="1">
-              <a:lnSpc>
-                <a:spcPct val="90000"/>
-              </a:lnSpc>
-              <a:spcBef>
-                <a:spcPts val="1000"/>
-              </a:spcBef>
-              <a:spcAft>
-                <a:spcPts val="0"/>
-              </a:spcAft>
-              <a:buClrTx/>
-              <a:buSzTx/>
-              <a:buFont typeface="Arial" panose="020B0604020202020204" pitchFamily="34" charset="0"/>
-              <a:buNone/>
-              <a:tabLst/>
-              <a:defRPr/>
-            </a:pPr>
-            <a:r>
-              <a:rPr lang="de-DE" dirty="0"/>
-              <a:t>Ein Aussage, die das Ziel und den Nutzen der Fallstudie für das betrachtete Unternehmen hervorhebt.</a:t>
-            </a:r>
-            <a:br>
-              <a:rPr lang="de-DE" dirty="0"/>
-            </a:br>
-            <a:r>
-              <a:rPr lang="de-DE" dirty="0"/>
-              <a:t>Schriftgröße 18, Farbe TCW-blau (0, 51, 102). zentriert</a:t>
-            </a:r>
-          </a:p>
-        </p:txBody>
-      </p:sp>
-      <p:sp>
-        <p:nvSpPr>
-          <p:cNvPr id="50" name="Textplatzhalter 49">
-            <a:extLst>
-              <a:ext uri="{FF2B5EF4-FFF2-40B4-BE49-F238E27FC236}">
-                <a16:creationId xmlns:a16="http://schemas.microsoft.com/office/drawing/2014/main" id="{D3292199-97E7-107D-101C-9B4D199378AF}"/>
-              </a:ext>
-            </a:extLst>
-          </p:cNvPr>
-          <p:cNvSpPr>
-            <a:spLocks noGrp="1"/>
-          </p:cNvSpPr>
-          <p:nvPr>
-            <p:ph type="body" sz="quarter" idx="20" hasCustomPrompt="1"/>
-          </p:nvPr>
-        </p:nvSpPr>
-        <p:spPr>
-          <a:xfrm>
-            <a:off x="6278949" y="3175810"/>
-            <a:ext cx="5567363" cy="3097991"/>
-          </a:xfrm>
-        </p:spPr>
-        <p:txBody>
-          <a:bodyPr/>
-          <a:lstStyle>
-            <a:lvl1pPr marL="0" indent="0">
-              <a:buNone/>
-              <a:defRPr/>
-            </a:lvl1pPr>
-            <a:lvl2pPr marL="265112" indent="0">
-              <a:buNone/>
-              <a:defRPr/>
-            </a:lvl2pPr>
-            <a:lvl3pPr marL="539750" indent="0">
-              <a:buNone/>
-              <a:defRPr/>
-            </a:lvl3pPr>
-            <a:lvl4pPr marL="804862" indent="0">
-              <a:buNone/>
-              <a:defRPr/>
-            </a:lvl4pPr>
-            <a:lvl5pPr marL="1079500" indent="0">
-              <a:buNone/>
-              <a:defRPr/>
-            </a:lvl5pPr>
-          </a:lstStyle>
-          <a:p>
-            <a:pPr lvl="0"/>
-            <a:r>
-              <a:rPr lang="de-DE" dirty="0"/>
-              <a:t>Bild</a:t>
-            </a:r>
-          </a:p>
-        </p:txBody>
-      </p:sp>
-      <p:sp>
-        <p:nvSpPr>
-          <p:cNvPr id="48" name="Textplatzhalter 47">
-            <a:extLst>
-              <a:ext uri="{FF2B5EF4-FFF2-40B4-BE49-F238E27FC236}">
-                <a16:creationId xmlns:a16="http://schemas.microsoft.com/office/drawing/2014/main" id="{C0269B60-F42B-8D22-2C3F-AE43F03D64F4}"/>
-              </a:ext>
-            </a:extLst>
-          </p:cNvPr>
-          <p:cNvSpPr>
-            <a:spLocks noGrp="1"/>
-          </p:cNvSpPr>
-          <p:nvPr>
-            <p:ph type="body" sz="quarter" idx="19" hasCustomPrompt="1"/>
-          </p:nvPr>
-        </p:nvSpPr>
-        <p:spPr>
-          <a:xfrm>
-            <a:off x="334962" y="586859"/>
-            <a:ext cx="11522075" cy="327540"/>
-          </a:xfrm>
-        </p:spPr>
-        <p:txBody>
-          <a:bodyPr lIns="0" tIns="0" rIns="0" bIns="0">
-            <a:noAutofit/>
-          </a:bodyPr>
-          <a:lstStyle>
-            <a:lvl1pPr marL="0" indent="0">
-              <a:buNone/>
-              <a:defRPr sz="1600">
-                <a:solidFill>
-                  <a:schemeClr val="tx2"/>
-                </a:solidFill>
-              </a:defRPr>
-            </a:lvl1pPr>
-            <a:lvl2pPr marL="265112" indent="0">
-              <a:buNone/>
-              <a:defRPr sz="1600">
-                <a:solidFill>
-                  <a:schemeClr val="tx2"/>
-                </a:solidFill>
-              </a:defRPr>
-            </a:lvl2pPr>
-            <a:lvl3pPr marL="539750" indent="0">
-              <a:buNone/>
-              <a:defRPr sz="1600">
-                <a:solidFill>
-                  <a:schemeClr val="tx2"/>
-                </a:solidFill>
-              </a:defRPr>
-            </a:lvl3pPr>
-            <a:lvl4pPr marL="804862" indent="0">
-              <a:buNone/>
-              <a:defRPr sz="1600">
-                <a:solidFill>
-                  <a:schemeClr val="tx2"/>
-                </a:solidFill>
-              </a:defRPr>
-            </a:lvl4pPr>
-            <a:lvl5pPr marL="1079500" indent="0">
-              <a:buNone/>
-              <a:defRPr sz="1600">
-                <a:solidFill>
-                  <a:schemeClr val="tx2"/>
-                </a:solidFill>
-              </a:defRPr>
-            </a:lvl5pPr>
-          </a:lstStyle>
-          <a:p>
-            <a:pPr lvl="0"/>
-            <a:r>
-              <a:rPr lang="de-DE" dirty="0"/>
-              <a:t>Branche | Unternehmensbeschreibung (2. Zeile: nicht, fett, Größe 16)</a:t>
-            </a:r>
-          </a:p>
-        </p:txBody>
-      </p:sp>
-      <p:sp>
-        <p:nvSpPr>
-          <p:cNvPr id="36" name="Textplatzhalter 35">
-            <a:extLst>
-              <a:ext uri="{FF2B5EF4-FFF2-40B4-BE49-F238E27FC236}">
-                <a16:creationId xmlns:a16="http://schemas.microsoft.com/office/drawing/2014/main" id="{99763D54-78FB-2EF5-CBDE-11442C4B53F6}"/>
-              </a:ext>
-            </a:extLst>
-          </p:cNvPr>
-          <p:cNvSpPr>
-            <a:spLocks noGrp="1"/>
-          </p:cNvSpPr>
-          <p:nvPr>
-            <p:ph type="body" sz="quarter" idx="15" hasCustomPrompt="1"/>
-          </p:nvPr>
-        </p:nvSpPr>
-        <p:spPr>
-          <a:xfrm>
-            <a:off x="934018" y="-683511"/>
-            <a:ext cx="2966720" cy="211203"/>
-          </a:xfrm>
-          <a:solidFill>
-            <a:schemeClr val="bg1"/>
-          </a:solidFill>
-        </p:spPr>
-        <p:txBody>
-          <a:bodyPr wrap="square" lIns="36000" tIns="36000" rIns="36000" bIns="36000">
-            <a:spAutoFit/>
-          </a:bodyPr>
-          <a:lstStyle>
-            <a:lvl1pPr marL="0" indent="0">
-              <a:buNone/>
-              <a:defRPr sz="1000"/>
-            </a:lvl1pPr>
-            <a:lvl2pPr marL="265112" indent="0">
-              <a:buNone/>
-              <a:defRPr sz="1000"/>
-            </a:lvl2pPr>
-            <a:lvl3pPr marL="539750" indent="0">
-              <a:buNone/>
-              <a:defRPr sz="1000"/>
-            </a:lvl3pPr>
-            <a:lvl4pPr marL="804862" indent="0">
-              <a:buNone/>
-              <a:defRPr sz="1000"/>
-            </a:lvl4pPr>
-            <a:lvl5pPr marL="1079500" indent="0">
-              <a:buNone/>
-              <a:defRPr sz="1000"/>
-            </a:lvl5pPr>
-          </a:lstStyle>
-          <a:p>
-            <a:pPr lvl="0"/>
-            <a:r>
-              <a:rPr lang="de-DE" dirty="0"/>
-              <a:t>Unternehmen</a:t>
-            </a:r>
-          </a:p>
-        </p:txBody>
-      </p:sp>
-      <p:sp>
-        <p:nvSpPr>
-          <p:cNvPr id="38" name="Textplatzhalter 35">
-            <a:extLst>
-              <a:ext uri="{FF2B5EF4-FFF2-40B4-BE49-F238E27FC236}">
-                <a16:creationId xmlns:a16="http://schemas.microsoft.com/office/drawing/2014/main" id="{53F12A3A-A117-5BCE-BF77-4B08676C6996}"/>
-              </a:ext>
-            </a:extLst>
-          </p:cNvPr>
-          <p:cNvSpPr>
-            <a:spLocks noGrp="1"/>
-          </p:cNvSpPr>
-          <p:nvPr>
-            <p:ph type="body" sz="quarter" idx="16" hasCustomPrompt="1"/>
-          </p:nvPr>
-        </p:nvSpPr>
-        <p:spPr>
-          <a:xfrm>
-            <a:off x="934018" y="-373369"/>
-            <a:ext cx="2966720" cy="211203"/>
-          </a:xfrm>
-          <a:solidFill>
-            <a:schemeClr val="bg1"/>
-          </a:solidFill>
-        </p:spPr>
-        <p:txBody>
-          <a:bodyPr wrap="square" lIns="36000" tIns="36000" rIns="36000" bIns="36000">
-            <a:spAutoFit/>
-          </a:bodyPr>
-          <a:lstStyle>
-            <a:lvl1pPr marL="0" indent="0">
-              <a:buNone/>
-              <a:defRPr sz="1000"/>
-            </a:lvl1pPr>
-            <a:lvl2pPr marL="265112" indent="0">
-              <a:buNone/>
-              <a:defRPr sz="1000"/>
-            </a:lvl2pPr>
-            <a:lvl3pPr marL="539750" indent="0">
-              <a:buNone/>
-              <a:defRPr sz="1000"/>
-            </a:lvl3pPr>
-            <a:lvl4pPr marL="804862" indent="0">
-              <a:buNone/>
-              <a:defRPr sz="1000"/>
-            </a:lvl4pPr>
-            <a:lvl5pPr marL="1079500" indent="0">
-              <a:buNone/>
-              <a:defRPr sz="1000"/>
-            </a:lvl5pPr>
-          </a:lstStyle>
-          <a:p>
-            <a:pPr lvl="0"/>
-            <a:r>
-              <a:rPr lang="de-DE" dirty="0"/>
-              <a:t>Verantwortlicher</a:t>
-            </a:r>
-          </a:p>
-        </p:txBody>
-      </p:sp>
-      <p:sp>
-        <p:nvSpPr>
-          <p:cNvPr id="43" name="Textplatzhalter 35">
-            <a:extLst>
-              <a:ext uri="{FF2B5EF4-FFF2-40B4-BE49-F238E27FC236}">
-                <a16:creationId xmlns:a16="http://schemas.microsoft.com/office/drawing/2014/main" id="{FC37B189-9B16-626F-5B19-29A28ADAA16A}"/>
-              </a:ext>
-            </a:extLst>
-          </p:cNvPr>
-          <p:cNvSpPr>
-            <a:spLocks noGrp="1"/>
-          </p:cNvSpPr>
-          <p:nvPr>
-            <p:ph type="body" sz="quarter" idx="17" hasCustomPrompt="1"/>
-          </p:nvPr>
-        </p:nvSpPr>
-        <p:spPr>
-          <a:xfrm>
-            <a:off x="4104" y="-990610"/>
-            <a:ext cx="828000" cy="828444"/>
-          </a:xfrm>
-          <a:solidFill>
-            <a:schemeClr val="bg1"/>
-          </a:solidFill>
-        </p:spPr>
-        <p:txBody>
-          <a:bodyPr wrap="square" lIns="36000" tIns="36000" rIns="36000" bIns="36000" anchor="ctr">
-            <a:noAutofit/>
-          </a:bodyPr>
-          <a:lstStyle>
-            <a:lvl1pPr marL="0" indent="0" algn="ctr">
-              <a:buNone/>
-              <a:defRPr sz="2400"/>
-            </a:lvl1pPr>
-            <a:lvl2pPr marL="265112" indent="0">
-              <a:buNone/>
-              <a:defRPr sz="1000"/>
-            </a:lvl2pPr>
-            <a:lvl3pPr marL="539750" indent="0">
-              <a:buNone/>
-              <a:defRPr sz="1000"/>
-            </a:lvl3pPr>
-            <a:lvl4pPr marL="804862" indent="0">
-              <a:buNone/>
-              <a:defRPr sz="1000"/>
-            </a:lvl4pPr>
-            <a:lvl5pPr marL="1079500" indent="0">
-              <a:buNone/>
-              <a:defRPr sz="1000"/>
-            </a:lvl5pPr>
-          </a:lstStyle>
-          <a:p>
-            <a:pPr lvl="0"/>
-            <a:r>
-              <a:rPr lang="de-DE" dirty="0"/>
-              <a:t>ID</a:t>
-            </a:r>
-          </a:p>
-        </p:txBody>
-      </p:sp>
-      <p:sp>
-        <p:nvSpPr>
-          <p:cNvPr id="46" name="Textplatzhalter 35">
-            <a:extLst>
-              <a:ext uri="{FF2B5EF4-FFF2-40B4-BE49-F238E27FC236}">
-                <a16:creationId xmlns:a16="http://schemas.microsoft.com/office/drawing/2014/main" id="{98E1A5E2-65E9-D4C5-7BFA-247F9516CC5C}"/>
-              </a:ext>
-            </a:extLst>
-          </p:cNvPr>
-          <p:cNvSpPr>
-            <a:spLocks noGrp="1"/>
-          </p:cNvSpPr>
-          <p:nvPr>
-            <p:ph type="body" sz="quarter" idx="18" hasCustomPrompt="1"/>
-          </p:nvPr>
-        </p:nvSpPr>
-        <p:spPr>
-          <a:xfrm>
-            <a:off x="934018" y="-990610"/>
-            <a:ext cx="2966720" cy="211203"/>
-          </a:xfrm>
-          <a:solidFill>
-            <a:schemeClr val="bg1"/>
-          </a:solidFill>
-        </p:spPr>
-        <p:txBody>
-          <a:bodyPr wrap="square" lIns="36000" tIns="36000" rIns="36000" bIns="36000">
-            <a:spAutoFit/>
-          </a:bodyPr>
-          <a:lstStyle>
-            <a:lvl1pPr marL="0" indent="0">
-              <a:buNone/>
-              <a:defRPr sz="1000"/>
-            </a:lvl1pPr>
-            <a:lvl2pPr marL="265112" indent="0">
-              <a:buNone/>
-              <a:defRPr sz="1000"/>
-            </a:lvl2pPr>
-            <a:lvl3pPr marL="539750" indent="0">
-              <a:buNone/>
-              <a:defRPr sz="1000"/>
-            </a:lvl3pPr>
-            <a:lvl4pPr marL="804862" indent="0">
-              <a:buNone/>
-              <a:defRPr sz="1000"/>
-            </a:lvl4pPr>
-            <a:lvl5pPr marL="1079500" indent="0">
-              <a:buNone/>
-              <a:defRPr sz="1000"/>
-            </a:lvl5pPr>
-          </a:lstStyle>
-          <a:p>
-            <a:pPr lvl="0"/>
-            <a:r>
-              <a:rPr lang="de-DE" dirty="0"/>
-              <a:t>Domain</a:t>
-            </a:r>
-          </a:p>
-        </p:txBody>
-      </p:sp>
-      <p:sp>
-        <p:nvSpPr>
-          <p:cNvPr id="3" name="Textplatzhalter 33">
-            <a:extLst>
-              <a:ext uri="{FF2B5EF4-FFF2-40B4-BE49-F238E27FC236}">
-                <a16:creationId xmlns:a16="http://schemas.microsoft.com/office/drawing/2014/main" id="{1AAB270D-2C0A-B5C4-BB96-961C3450B8F7}"/>
-              </a:ext>
-            </a:extLst>
-          </p:cNvPr>
-          <p:cNvSpPr>
-            <a:spLocks noGrp="1"/>
-          </p:cNvSpPr>
-          <p:nvPr>
-            <p:ph type="body" sz="quarter" idx="21" hasCustomPrompt="1"/>
-          </p:nvPr>
-        </p:nvSpPr>
-        <p:spPr>
-          <a:xfrm>
-            <a:off x="629543" y="5296855"/>
-            <a:ext cx="1116000" cy="288147"/>
-          </a:xfrm>
-          <a:solidFill>
-            <a:schemeClr val="bg1"/>
-          </a:solidFill>
-        </p:spPr>
-        <p:txBody>
-          <a:bodyPr wrap="square" lIns="0" tIns="0" rIns="36000" bIns="0" anchor="ctr">
-            <a:noAutofit/>
-          </a:bodyPr>
-          <a:lstStyle>
-            <a:lvl1pPr marL="0" indent="0" algn="r">
-              <a:lnSpc>
-                <a:spcPct val="100000"/>
-              </a:lnSpc>
-              <a:spcBef>
-                <a:spcPts val="0"/>
-              </a:spcBef>
-              <a:spcAft>
-                <a:spcPts val="400"/>
-              </a:spcAft>
-              <a:buNone/>
-              <a:defRPr sz="1400" b="1" u="none"/>
-            </a:lvl1pPr>
-            <a:lvl2pPr marL="265112" indent="0">
-              <a:buNone/>
-              <a:defRPr/>
-            </a:lvl2pPr>
-            <a:lvl3pPr marL="539750" indent="0">
-              <a:buNone/>
-              <a:defRPr/>
-            </a:lvl3pPr>
-            <a:lvl4pPr marL="804862" indent="0">
-              <a:buNone/>
-              <a:defRPr/>
-            </a:lvl4pPr>
-            <a:lvl5pPr marL="1079500" indent="0">
-              <a:buNone/>
-              <a:defRPr/>
-            </a:lvl5pPr>
-          </a:lstStyle>
-          <a:p>
-            <a:pPr lvl="0"/>
-            <a:r>
-              <a:rPr lang="de-DE" dirty="0"/>
-              <a:t>KPI 2</a:t>
-            </a:r>
-          </a:p>
-        </p:txBody>
-      </p:sp>
-      <p:sp>
-        <p:nvSpPr>
-          <p:cNvPr id="5" name="Textplatzhalter 33">
-            <a:extLst>
-              <a:ext uri="{FF2B5EF4-FFF2-40B4-BE49-F238E27FC236}">
-                <a16:creationId xmlns:a16="http://schemas.microsoft.com/office/drawing/2014/main" id="{1993DED0-7EFC-B63B-C5BE-53A4FC283944}"/>
-              </a:ext>
-            </a:extLst>
-          </p:cNvPr>
-          <p:cNvSpPr>
-            <a:spLocks noGrp="1"/>
-          </p:cNvSpPr>
-          <p:nvPr>
-            <p:ph type="body" sz="quarter" idx="22" hasCustomPrompt="1"/>
-          </p:nvPr>
-        </p:nvSpPr>
-        <p:spPr>
-          <a:xfrm>
-            <a:off x="629543" y="5638092"/>
-            <a:ext cx="1116000" cy="288147"/>
-          </a:xfrm>
-          <a:solidFill>
-            <a:schemeClr val="bg1"/>
-          </a:solidFill>
-        </p:spPr>
-        <p:txBody>
-          <a:bodyPr wrap="square" lIns="0" tIns="0" rIns="36000" bIns="0" anchor="ctr">
-            <a:noAutofit/>
-          </a:bodyPr>
-          <a:lstStyle>
-            <a:lvl1pPr marL="0" indent="0" algn="r">
-              <a:lnSpc>
-                <a:spcPct val="100000"/>
-              </a:lnSpc>
-              <a:spcBef>
-                <a:spcPts val="0"/>
-              </a:spcBef>
-              <a:spcAft>
-                <a:spcPts val="400"/>
-              </a:spcAft>
-              <a:buNone/>
-              <a:defRPr sz="1400" b="1" u="none"/>
-            </a:lvl1pPr>
-            <a:lvl2pPr marL="265112" indent="0">
-              <a:buNone/>
-              <a:defRPr/>
-            </a:lvl2pPr>
-            <a:lvl3pPr marL="539750" indent="0">
-              <a:buNone/>
-              <a:defRPr/>
-            </a:lvl3pPr>
-            <a:lvl4pPr marL="804862" indent="0">
-              <a:buNone/>
-              <a:defRPr/>
-            </a:lvl4pPr>
-            <a:lvl5pPr marL="1079500" indent="0">
-              <a:buNone/>
-              <a:defRPr/>
-            </a:lvl5pPr>
-          </a:lstStyle>
-          <a:p>
-            <a:pPr lvl="0"/>
-            <a:r>
-              <a:rPr lang="de-DE" dirty="0"/>
-              <a:t>KPI 3</a:t>
-            </a:r>
-          </a:p>
-        </p:txBody>
-      </p:sp>
-      <p:sp>
-        <p:nvSpPr>
-          <p:cNvPr id="11" name="Textplatzhalter 33">
-            <a:extLst>
-              <a:ext uri="{FF2B5EF4-FFF2-40B4-BE49-F238E27FC236}">
-                <a16:creationId xmlns:a16="http://schemas.microsoft.com/office/drawing/2014/main" id="{D67DA9F5-7C51-44E6-5E13-5BD881AEC7F1}"/>
-              </a:ext>
-            </a:extLst>
-          </p:cNvPr>
-          <p:cNvSpPr>
-            <a:spLocks noGrp="1"/>
-          </p:cNvSpPr>
-          <p:nvPr>
-            <p:ph type="body" sz="quarter" idx="23" hasCustomPrompt="1"/>
-          </p:nvPr>
-        </p:nvSpPr>
-        <p:spPr>
-          <a:xfrm>
-            <a:off x="629543" y="5979328"/>
-            <a:ext cx="1116000" cy="288147"/>
-          </a:xfrm>
-          <a:solidFill>
-            <a:schemeClr val="bg1"/>
-          </a:solidFill>
-        </p:spPr>
-        <p:txBody>
-          <a:bodyPr wrap="square" lIns="0" tIns="0" rIns="36000" bIns="0" anchor="ctr">
-            <a:noAutofit/>
-          </a:bodyPr>
-          <a:lstStyle>
-            <a:lvl1pPr marL="0" indent="0" algn="r">
-              <a:lnSpc>
-                <a:spcPct val="100000"/>
-              </a:lnSpc>
-              <a:spcBef>
-                <a:spcPts val="0"/>
-              </a:spcBef>
-              <a:spcAft>
-                <a:spcPts val="400"/>
-              </a:spcAft>
-              <a:buNone/>
-              <a:defRPr sz="1400" b="1" u="none"/>
-            </a:lvl1pPr>
-            <a:lvl2pPr marL="265112" indent="0">
-              <a:buNone/>
-              <a:defRPr/>
-            </a:lvl2pPr>
-            <a:lvl3pPr marL="539750" indent="0">
-              <a:buNone/>
-              <a:defRPr/>
-            </a:lvl3pPr>
-            <a:lvl4pPr marL="804862" indent="0">
-              <a:buNone/>
-              <a:defRPr/>
-            </a:lvl4pPr>
-            <a:lvl5pPr marL="1079500" indent="0">
-              <a:buNone/>
-              <a:defRPr/>
-            </a:lvl5pPr>
-          </a:lstStyle>
-          <a:p>
-            <a:pPr lvl="0"/>
-            <a:r>
-              <a:rPr lang="de-DE" dirty="0"/>
-              <a:t>KPI 4</a:t>
-            </a:r>
-          </a:p>
-        </p:txBody>
-      </p:sp>
-      <p:sp>
-        <p:nvSpPr>
-          <p:cNvPr id="12" name="Textplatzhalter 33">
-            <a:extLst>
-              <a:ext uri="{FF2B5EF4-FFF2-40B4-BE49-F238E27FC236}">
-                <a16:creationId xmlns:a16="http://schemas.microsoft.com/office/drawing/2014/main" id="{C8EC994F-CC8F-5334-AAF5-5D9BF0FA0F6F}"/>
-              </a:ext>
-            </a:extLst>
-          </p:cNvPr>
-          <p:cNvSpPr>
-            <a:spLocks noGrp="1"/>
-          </p:cNvSpPr>
-          <p:nvPr>
-            <p:ph type="body" sz="quarter" idx="24" hasCustomPrompt="1"/>
-          </p:nvPr>
-        </p:nvSpPr>
-        <p:spPr>
-          <a:xfrm>
-            <a:off x="1745542" y="4955618"/>
-            <a:ext cx="4350625" cy="288147"/>
-          </a:xfrm>
-        </p:spPr>
-        <p:txBody>
-          <a:bodyPr wrap="square" lIns="36000" tIns="0" rIns="36000" bIns="0" anchor="ctr">
-            <a:noAutofit/>
-          </a:bodyPr>
-          <a:lstStyle>
-            <a:lvl1pPr marL="0" indent="0" algn="l">
-              <a:lnSpc>
-                <a:spcPct val="100000"/>
-              </a:lnSpc>
-              <a:spcBef>
-                <a:spcPts val="0"/>
-              </a:spcBef>
-              <a:spcAft>
-                <a:spcPts val="400"/>
-              </a:spcAft>
-              <a:buNone/>
-              <a:defRPr sz="1200" b="0" u="none"/>
-            </a:lvl1pPr>
-            <a:lvl2pPr marL="265112" indent="0">
-              <a:buNone/>
-              <a:defRPr/>
-            </a:lvl2pPr>
-            <a:lvl3pPr marL="539750" indent="0">
-              <a:buNone/>
-              <a:defRPr/>
-            </a:lvl3pPr>
-            <a:lvl4pPr marL="804862" indent="0">
-              <a:buNone/>
-              <a:defRPr/>
-            </a:lvl4pPr>
-            <a:lvl5pPr marL="1079500" indent="0">
-              <a:buNone/>
-              <a:defRPr/>
-            </a:lvl5pPr>
-          </a:lstStyle>
-          <a:p>
-            <a:pPr lvl="0"/>
-            <a:r>
-              <a:rPr lang="de-DE" dirty="0"/>
-              <a:t>Description KPI 1</a:t>
-            </a:r>
-          </a:p>
-        </p:txBody>
-      </p:sp>
-      <p:sp>
-        <p:nvSpPr>
-          <p:cNvPr id="20" name="Textplatzhalter 33">
-            <a:extLst>
-              <a:ext uri="{FF2B5EF4-FFF2-40B4-BE49-F238E27FC236}">
-                <a16:creationId xmlns:a16="http://schemas.microsoft.com/office/drawing/2014/main" id="{47EEB06A-8156-C2D8-6A20-E1861B35868C}"/>
-              </a:ext>
-            </a:extLst>
-          </p:cNvPr>
-          <p:cNvSpPr>
-            <a:spLocks noGrp="1"/>
-          </p:cNvSpPr>
-          <p:nvPr>
-            <p:ph type="body" sz="quarter" idx="25" hasCustomPrompt="1"/>
-          </p:nvPr>
-        </p:nvSpPr>
-        <p:spPr>
-          <a:xfrm>
-            <a:off x="1745542" y="5296855"/>
-            <a:ext cx="4350625" cy="288147"/>
-          </a:xfrm>
-        </p:spPr>
-        <p:txBody>
-          <a:bodyPr wrap="square" lIns="36000" tIns="0" rIns="36000" bIns="0" anchor="ctr">
-            <a:noAutofit/>
-          </a:bodyPr>
-          <a:lstStyle>
-            <a:lvl1pPr marL="0" indent="0" algn="l">
-              <a:lnSpc>
-                <a:spcPct val="100000"/>
-              </a:lnSpc>
-              <a:spcBef>
-                <a:spcPts val="0"/>
-              </a:spcBef>
-              <a:spcAft>
-                <a:spcPts val="400"/>
-              </a:spcAft>
-              <a:buNone/>
-              <a:defRPr sz="1200" b="0" u="none"/>
-            </a:lvl1pPr>
-            <a:lvl2pPr marL="265112" indent="0">
-              <a:buNone/>
-              <a:defRPr/>
-            </a:lvl2pPr>
-            <a:lvl3pPr marL="539750" indent="0">
-              <a:buNone/>
-              <a:defRPr/>
-            </a:lvl3pPr>
-            <a:lvl4pPr marL="804862" indent="0">
-              <a:buNone/>
-              <a:defRPr/>
-            </a:lvl4pPr>
-            <a:lvl5pPr marL="1079500" indent="0">
-              <a:buNone/>
-              <a:defRPr/>
-            </a:lvl5pPr>
-          </a:lstStyle>
-          <a:p>
-            <a:pPr lvl="0"/>
-            <a:r>
-              <a:rPr lang="de-DE" dirty="0"/>
-              <a:t>Description KPI 2</a:t>
-            </a:r>
-          </a:p>
-        </p:txBody>
-      </p:sp>
-      <p:sp>
-        <p:nvSpPr>
-          <p:cNvPr id="22" name="Textplatzhalter 33">
-            <a:extLst>
-              <a:ext uri="{FF2B5EF4-FFF2-40B4-BE49-F238E27FC236}">
-                <a16:creationId xmlns:a16="http://schemas.microsoft.com/office/drawing/2014/main" id="{B128E410-5D70-9C15-3EBF-5B327F34D0A4}"/>
-              </a:ext>
-            </a:extLst>
-          </p:cNvPr>
-          <p:cNvSpPr>
-            <a:spLocks noGrp="1"/>
-          </p:cNvSpPr>
-          <p:nvPr>
-            <p:ph type="body" sz="quarter" idx="26" hasCustomPrompt="1"/>
-          </p:nvPr>
-        </p:nvSpPr>
-        <p:spPr>
-          <a:xfrm>
-            <a:off x="1745542" y="5638092"/>
-            <a:ext cx="4350625" cy="288147"/>
-          </a:xfrm>
-        </p:spPr>
-        <p:txBody>
-          <a:bodyPr wrap="square" lIns="36000" tIns="0" rIns="36000" bIns="0" anchor="ctr">
-            <a:noAutofit/>
-          </a:bodyPr>
-          <a:lstStyle>
-            <a:lvl1pPr marL="0" indent="0" algn="l">
-              <a:lnSpc>
-                <a:spcPct val="100000"/>
-              </a:lnSpc>
-              <a:spcBef>
-                <a:spcPts val="0"/>
-              </a:spcBef>
-              <a:spcAft>
-                <a:spcPts val="400"/>
-              </a:spcAft>
-              <a:buNone/>
-              <a:defRPr sz="1200" b="0" u="none"/>
-            </a:lvl1pPr>
-            <a:lvl2pPr marL="265112" indent="0">
-              <a:buNone/>
-              <a:defRPr/>
-            </a:lvl2pPr>
-            <a:lvl3pPr marL="539750" indent="0">
-              <a:buNone/>
-              <a:defRPr/>
-            </a:lvl3pPr>
-            <a:lvl4pPr marL="804862" indent="0">
-              <a:buNone/>
-              <a:defRPr/>
-            </a:lvl4pPr>
-            <a:lvl5pPr marL="1079500" indent="0">
-              <a:buNone/>
-              <a:defRPr/>
-            </a:lvl5pPr>
-          </a:lstStyle>
-          <a:p>
-            <a:pPr lvl="0"/>
-            <a:r>
-              <a:rPr lang="de-DE" dirty="0"/>
-              <a:t>Description KPI 3</a:t>
-            </a:r>
-          </a:p>
-        </p:txBody>
-      </p:sp>
-      <p:sp>
-        <p:nvSpPr>
-          <p:cNvPr id="23" name="Textplatzhalter 33">
-            <a:extLst>
-              <a:ext uri="{FF2B5EF4-FFF2-40B4-BE49-F238E27FC236}">
-                <a16:creationId xmlns:a16="http://schemas.microsoft.com/office/drawing/2014/main" id="{573F11A6-96B4-784E-6EE1-16A0992680B0}"/>
-              </a:ext>
-            </a:extLst>
-          </p:cNvPr>
-          <p:cNvSpPr>
-            <a:spLocks noGrp="1"/>
-          </p:cNvSpPr>
-          <p:nvPr>
-            <p:ph type="body" sz="quarter" idx="27" hasCustomPrompt="1"/>
-          </p:nvPr>
-        </p:nvSpPr>
-        <p:spPr>
-          <a:xfrm>
-            <a:off x="1745542" y="5979328"/>
-            <a:ext cx="4350625" cy="288147"/>
-          </a:xfrm>
-        </p:spPr>
-        <p:txBody>
-          <a:bodyPr wrap="square" lIns="36000" tIns="0" rIns="36000" bIns="0" anchor="ctr">
-            <a:noAutofit/>
-          </a:bodyPr>
-          <a:lstStyle>
-            <a:lvl1pPr marL="0" indent="0" algn="l">
-              <a:lnSpc>
-                <a:spcPct val="100000"/>
-              </a:lnSpc>
-              <a:spcBef>
-                <a:spcPts val="0"/>
-              </a:spcBef>
-              <a:spcAft>
-                <a:spcPts val="400"/>
-              </a:spcAft>
-              <a:buNone/>
-              <a:defRPr sz="1200" b="0" u="none"/>
-            </a:lvl1pPr>
-            <a:lvl2pPr marL="265112" indent="0">
-              <a:buNone/>
-              <a:defRPr/>
-            </a:lvl2pPr>
-            <a:lvl3pPr marL="539750" indent="0">
-              <a:buNone/>
-              <a:defRPr/>
-            </a:lvl3pPr>
-            <a:lvl4pPr marL="804862" indent="0">
-              <a:buNone/>
-              <a:defRPr/>
-            </a:lvl4pPr>
-            <a:lvl5pPr marL="1079500" indent="0">
-              <a:buNone/>
-              <a:defRPr/>
-            </a:lvl5pPr>
-          </a:lstStyle>
-          <a:p>
-            <a:pPr lvl="0"/>
-            <a:r>
-              <a:rPr lang="de-DE" dirty="0"/>
-              <a:t>Description KPI 4</a:t>
-            </a:r>
-          </a:p>
-        </p:txBody>
-      </p:sp>
-      <p:sp>
-        <p:nvSpPr>
-          <p:cNvPr id="24" name="Parallelogramm 23">
-            <a:extLst>
-              <a:ext uri="{FF2B5EF4-FFF2-40B4-BE49-F238E27FC236}">
-                <a16:creationId xmlns:a16="http://schemas.microsoft.com/office/drawing/2014/main" id="{43F3822F-2551-11EE-DC55-EB55D5C2AA25}"/>
-              </a:ext>
-            </a:extLst>
-          </p:cNvPr>
-          <p:cNvSpPr/>
-          <p:nvPr userDrawn="1"/>
-        </p:nvSpPr>
-        <p:spPr>
-          <a:xfrm>
-            <a:off x="565824" y="1065051"/>
-            <a:ext cx="5528984" cy="318924"/>
-          </a:xfrm>
-          <a:prstGeom prst="parallelogram">
-            <a:avLst>
-              <a:gd name="adj" fmla="val 44911"/>
-            </a:avLst>
-          </a:prstGeom>
-          <a:solidFill>
-            <a:schemeClr val="tx2"/>
-          </a:solidFill>
-        </p:spPr>
-        <p:txBody>
-          <a:bodyPr rot="0" spcFirstLastPara="0" vertOverflow="overflow" horzOverflow="overflow" vert="horz" wrap="none" lIns="360000" tIns="36000" rIns="0" bIns="36000" numCol="1" spcCol="0" rtlCol="0" fromWordArt="0" anchor="ctr" anchorCtr="0" forceAA="0" compatLnSpc="1">
-            <a:prstTxWarp prst="textNoShape">
-              <a:avLst/>
-            </a:prstTxWarp>
-            <a:noAutofit/>
-          </a:bodyPr>
-          <a:lstStyle/>
-          <a:p>
-            <a:pPr>
-              <a:spcBef>
-                <a:spcPct val="0"/>
-              </a:spcBef>
-              <a:spcAft>
-                <a:spcPct val="0"/>
-              </a:spcAft>
-            </a:pPr>
-            <a:endParaRPr lang="de-DE" sz="1600" b="1" kern="0" dirty="0">
-              <a:solidFill>
-                <a:schemeClr val="bg1"/>
-              </a:solidFill>
-              <a:latin typeface="Arial" panose="020B0604020202020204"/>
-            </a:endParaRPr>
-          </a:p>
-        </p:txBody>
-      </p:sp>
-      <p:sp>
-        <p:nvSpPr>
-          <p:cNvPr id="25" name="Ellipse 24">
-            <a:extLst>
-              <a:ext uri="{FF2B5EF4-FFF2-40B4-BE49-F238E27FC236}">
-                <a16:creationId xmlns:a16="http://schemas.microsoft.com/office/drawing/2014/main" id="{7AD8C068-F8CF-E34F-2B75-F40FC9D7C5A9}"/>
-              </a:ext>
-            </a:extLst>
-          </p:cNvPr>
-          <p:cNvSpPr/>
-          <p:nvPr userDrawn="1"/>
-        </p:nvSpPr>
-        <p:spPr>
-          <a:xfrm>
-            <a:off x="349823" y="1008513"/>
-            <a:ext cx="432000" cy="432000"/>
-          </a:xfrm>
-          <a:prstGeom prst="ellipse">
-            <a:avLst/>
-          </a:prstGeom>
-          <a:solidFill>
-            <a:srgbClr val="003366"/>
-          </a:solidFill>
-          <a:ln w="57150">
-            <a:solidFill>
-              <a:schemeClr val="bg1"/>
-            </a:solidFill>
-          </a:ln>
-        </p:spPr>
-        <p:style>
-          <a:lnRef idx="2">
-            <a:schemeClr val="accent1">
-              <a:shade val="50000"/>
-            </a:schemeClr>
-          </a:lnRef>
-          <a:fillRef idx="1">
-            <a:schemeClr val="accent1"/>
-          </a:fillRef>
-          <a:effectRef idx="0">
-            <a:schemeClr val="accent1"/>
-          </a:effectRef>
-          <a:fontRef idx="minor">
-            <a:schemeClr val="lt1"/>
-          </a:fontRef>
-        </p:style>
-        <p:txBody>
-          <a:bodyPr rot="0" spcFirstLastPara="0" vertOverflow="overflow" horzOverflow="overflow" vert="horz" wrap="square" lIns="68580" tIns="34290" rIns="68580" bIns="34290" numCol="1" spcCol="0" rtlCol="0" fromWordArt="0" anchor="t" anchorCtr="0" forceAA="0" compatLnSpc="1">
-            <a:prstTxWarp prst="textNoShape">
-              <a:avLst/>
-            </a:prstTxWarp>
-            <a:noAutofit/>
-          </a:bodyPr>
-          <a:lstStyle/>
-          <a:p>
-            <a:pPr lvl="0" algn="ctr"/>
-            <a:endParaRPr lang="de-DE">
-              <a:latin typeface="Arial" panose="020B0604020202020204" pitchFamily="34" charset="0"/>
-              <a:cs typeface="Arial" panose="020B0604020202020204" pitchFamily="34" charset="0"/>
-            </a:endParaRPr>
-          </a:p>
-        </p:txBody>
-      </p:sp>
-      <p:pic>
-        <p:nvPicPr>
-          <p:cNvPr id="26" name="Grafik 25" descr="Lupe mit einfarbiger Füllung">
-            <a:extLst>
-              <a:ext uri="{FF2B5EF4-FFF2-40B4-BE49-F238E27FC236}">
-                <a16:creationId xmlns:a16="http://schemas.microsoft.com/office/drawing/2014/main" id="{A4BE3FB3-9A65-CFF9-7998-4027A8D2DE69}"/>
-              </a:ext>
-            </a:extLst>
-          </p:cNvPr>
-          <p:cNvPicPr>
-            <a:picLocks noChangeAspect="1"/>
-          </p:cNvPicPr>
-          <p:nvPr userDrawn="1"/>
-        </p:nvPicPr>
-        <p:blipFill>
-          <a:blip r:embed="rId5" cstate="print">
-            <a:extLst>
-              <a:ext uri="{28A0092B-C50C-407E-A947-70E740481C1C}">
-                <a14:useLocalDpi xmlns:a14="http://schemas.microsoft.com/office/drawing/2010/main" val="0"/>
-              </a:ext>
-              <a:ext uri="{96DAC541-7B7A-43D3-8B79-37D633B846F1}">
-                <asvg:svgBlip xmlns:asvg="http://schemas.microsoft.com/office/drawing/2016/SVG/main" r:embed="rId6"/>
-              </a:ext>
-            </a:extLst>
-          </a:blip>
-          <a:stretch>
-            <a:fillRect/>
-          </a:stretch>
-        </p:blipFill>
-        <p:spPr>
-          <a:xfrm flipH="1">
-            <a:off x="450623" y="1109313"/>
-            <a:ext cx="230400" cy="230400"/>
-          </a:xfrm>
-          <a:prstGeom prst="rect">
-            <a:avLst/>
-          </a:prstGeom>
-        </p:spPr>
-      </p:pic>
-      <p:sp>
-        <p:nvSpPr>
-          <p:cNvPr id="31" name="Textfeld 30">
-            <a:extLst>
-              <a:ext uri="{FF2B5EF4-FFF2-40B4-BE49-F238E27FC236}">
-                <a16:creationId xmlns:a16="http://schemas.microsoft.com/office/drawing/2014/main" id="{B76B3A3E-D5B9-E395-0E5C-101C76045CC7}"/>
-              </a:ext>
-            </a:extLst>
-          </p:cNvPr>
-          <p:cNvSpPr txBox="1"/>
-          <p:nvPr userDrawn="1"/>
-        </p:nvSpPr>
-        <p:spPr>
-          <a:xfrm>
-            <a:off x="565825" y="1101402"/>
-            <a:ext cx="3396575" cy="246221"/>
-          </a:xfrm>
-          <a:prstGeom prst="rect">
-            <a:avLst/>
-          </a:prstGeom>
-          <a:noFill/>
-          <a:ln>
-            <a:noFill/>
-          </a:ln>
-        </p:spPr>
-        <p:txBody>
-          <a:bodyPr wrap="square" lIns="360000" tIns="0" bIns="0">
-            <a:spAutoFit/>
-          </a:bodyPr>
-          <a:lstStyle/>
-          <a:p>
-            <a:pPr marL="0" marR="0" lvl="0" indent="0" algn="l" defTabSz="914400" rtl="0" eaLnBrk="1" fontAlgn="auto" latinLnBrk="0" hangingPunct="1">
-              <a:lnSpc>
-                <a:spcPct val="100000"/>
-              </a:lnSpc>
-              <a:spcBef>
-                <a:spcPct val="0"/>
-              </a:spcBef>
-              <a:spcAft>
-                <a:spcPct val="0"/>
-              </a:spcAft>
-              <a:buClrTx/>
-              <a:buSzTx/>
-              <a:buFontTx/>
-              <a:buNone/>
-              <a:tabLst/>
-              <a:defRPr/>
-            </a:pPr>
-            <a:r>
-              <a:rPr lang="de-DE" sz="1600" b="1" kern="0" noProof="0" dirty="0">
-                <a:solidFill>
-                  <a:schemeClr val="bg1"/>
-                </a:solidFill>
-                <a:latin typeface="Arial" panose="020B0604020202020204"/>
-              </a:rPr>
-              <a:t>Initial Situation &amp; Challenge</a:t>
-            </a:r>
-          </a:p>
-        </p:txBody>
-      </p:sp>
-      <p:grpSp>
-        <p:nvGrpSpPr>
-          <p:cNvPr id="55" name="Gruppieren 54">
-            <a:extLst>
-              <a:ext uri="{FF2B5EF4-FFF2-40B4-BE49-F238E27FC236}">
-                <a16:creationId xmlns:a16="http://schemas.microsoft.com/office/drawing/2014/main" id="{12ED28AD-D553-4B3E-EA4B-ACDB94855229}"/>
-              </a:ext>
-            </a:extLst>
-          </p:cNvPr>
-          <p:cNvGrpSpPr/>
-          <p:nvPr userDrawn="1"/>
-        </p:nvGrpSpPr>
-        <p:grpSpPr>
-          <a:xfrm>
-            <a:off x="349823" y="2783496"/>
-            <a:ext cx="5744986" cy="432000"/>
-            <a:chOff x="349823" y="2962944"/>
-            <a:chExt cx="5744986" cy="432000"/>
-          </a:xfrm>
-        </p:grpSpPr>
-        <p:sp>
-          <p:nvSpPr>
-            <p:cNvPr id="35" name="Parallelogramm 34">
-              <a:extLst>
-                <a:ext uri="{FF2B5EF4-FFF2-40B4-BE49-F238E27FC236}">
-                  <a16:creationId xmlns:a16="http://schemas.microsoft.com/office/drawing/2014/main" id="{BFA0D1BA-C54C-90BA-9D4E-573E6122E666}"/>
-                </a:ext>
-              </a:extLst>
-            </p:cNvPr>
-            <p:cNvSpPr/>
-            <p:nvPr userDrawn="1"/>
-          </p:nvSpPr>
-          <p:spPr>
-            <a:xfrm>
-              <a:off x="565824" y="3019482"/>
-              <a:ext cx="5528985" cy="318924"/>
-            </a:xfrm>
-            <a:prstGeom prst="parallelogram">
-              <a:avLst>
-                <a:gd name="adj" fmla="val 44911"/>
-              </a:avLst>
-            </a:prstGeom>
-            <a:solidFill>
-              <a:schemeClr val="tx2"/>
-            </a:solidFill>
-          </p:spPr>
-          <p:txBody>
-            <a:bodyPr rot="0" spcFirstLastPara="0" vertOverflow="overflow" horzOverflow="overflow" vert="horz" wrap="none" lIns="360000" tIns="36000" rIns="0" bIns="36000" numCol="1" spcCol="0" rtlCol="0" fromWordArt="0" anchor="ctr" anchorCtr="0" forceAA="0" compatLnSpc="1">
-              <a:prstTxWarp prst="textNoShape">
-                <a:avLst/>
-              </a:prstTxWarp>
-              <a:noAutofit/>
-            </a:bodyPr>
-            <a:lstStyle/>
-            <a:p>
-              <a:pPr>
-                <a:spcBef>
-                  <a:spcPct val="0"/>
-                </a:spcBef>
-                <a:spcAft>
-                  <a:spcPct val="0"/>
-                </a:spcAft>
-              </a:pPr>
-              <a:endParaRPr lang="de-DE" sz="1600" b="1" kern="0" dirty="0">
-                <a:solidFill>
-                  <a:schemeClr val="bg1"/>
-                </a:solidFill>
-                <a:latin typeface="Arial" panose="020B0604020202020204"/>
-              </a:endParaRPr>
-            </a:p>
-          </p:txBody>
-        </p:sp>
-        <p:sp>
-          <p:nvSpPr>
-            <p:cNvPr id="41" name="Ellipse 40">
-              <a:extLst>
-                <a:ext uri="{FF2B5EF4-FFF2-40B4-BE49-F238E27FC236}">
-                  <a16:creationId xmlns:a16="http://schemas.microsoft.com/office/drawing/2014/main" id="{006ABDF6-D5D3-2CEA-95A3-CA9DCCBFCB79}"/>
-                </a:ext>
-              </a:extLst>
-            </p:cNvPr>
-            <p:cNvSpPr/>
-            <p:nvPr userDrawn="1"/>
-          </p:nvSpPr>
-          <p:spPr>
-            <a:xfrm>
-              <a:off x="349823" y="2962944"/>
-              <a:ext cx="432000" cy="432000"/>
-            </a:xfrm>
-            <a:prstGeom prst="ellipse">
-              <a:avLst/>
-            </a:prstGeom>
-            <a:solidFill>
-              <a:srgbClr val="003366"/>
-            </a:solidFill>
-            <a:ln w="57150">
-              <a:solidFill>
-                <a:schemeClr val="bg1"/>
-              </a:solidFill>
-            </a:ln>
-          </p:spPr>
-          <p:style>
-            <a:lnRef idx="2">
-              <a:schemeClr val="accent1">
-                <a:shade val="50000"/>
-              </a:schemeClr>
-            </a:lnRef>
-            <a:fillRef idx="1">
-              <a:schemeClr val="accent1"/>
-            </a:fillRef>
-            <a:effectRef idx="0">
-              <a:schemeClr val="accent1"/>
-            </a:effectRef>
-            <a:fontRef idx="minor">
-              <a:schemeClr val="lt1"/>
-            </a:fontRef>
-          </p:style>
-          <p:txBody>
-            <a:bodyPr rot="0" spcFirstLastPara="0" vertOverflow="overflow" horzOverflow="overflow" vert="horz" wrap="square" lIns="68580" tIns="34290" rIns="68580" bIns="34290" numCol="1" spcCol="0" rtlCol="0" fromWordArt="0" anchor="t" anchorCtr="0" forceAA="0" compatLnSpc="1">
-              <a:prstTxWarp prst="textNoShape">
-                <a:avLst/>
-              </a:prstTxWarp>
-              <a:noAutofit/>
-            </a:bodyPr>
-            <a:lstStyle/>
-            <a:p>
-              <a:pPr algn="ctr"/>
-              <a:endParaRPr lang="de-DE">
-                <a:solidFill>
-                  <a:schemeClr val="tx1"/>
-                </a:solidFill>
-                <a:latin typeface="Arial" panose="020B0604020202020204" pitchFamily="34" charset="0"/>
-                <a:cs typeface="Arial" panose="020B0604020202020204" pitchFamily="34" charset="0"/>
-              </a:endParaRPr>
-            </a:p>
-          </p:txBody>
-        </p:sp>
-        <p:pic>
-          <p:nvPicPr>
-            <p:cNvPr id="42" name="Grafik 41" descr="Route zwei Stecknadeln mit Weg mit einfarbiger Füllung">
-              <a:extLst>
-                <a:ext uri="{FF2B5EF4-FFF2-40B4-BE49-F238E27FC236}">
-                  <a16:creationId xmlns:a16="http://schemas.microsoft.com/office/drawing/2014/main" id="{ED303A16-C139-2470-AF89-BB16B3C35B21}"/>
-                </a:ext>
-              </a:extLst>
-            </p:cNvPr>
-            <p:cNvPicPr>
-              <a:picLocks noChangeAspect="1"/>
-            </p:cNvPicPr>
-            <p:nvPr userDrawn="1"/>
-          </p:nvPicPr>
-          <p:blipFill>
-            <a:blip r:embed="rId7" cstate="print">
-              <a:extLst>
-                <a:ext uri="{28A0092B-C50C-407E-A947-70E740481C1C}">
-                  <a14:useLocalDpi xmlns:a14="http://schemas.microsoft.com/office/drawing/2010/main" val="0"/>
-                </a:ext>
-                <a:ext uri="{96DAC541-7B7A-43D3-8B79-37D633B846F1}">
-                  <asvg:svgBlip xmlns:asvg="http://schemas.microsoft.com/office/drawing/2016/SVG/main" r:embed="rId8"/>
-                </a:ext>
-              </a:extLst>
-            </a:blip>
-            <a:stretch>
-              <a:fillRect/>
-            </a:stretch>
-          </p:blipFill>
-          <p:spPr>
-            <a:xfrm>
-              <a:off x="450624" y="3063744"/>
-              <a:ext cx="230400" cy="230400"/>
-            </a:xfrm>
-            <a:prstGeom prst="rect">
-              <a:avLst/>
-            </a:prstGeom>
-          </p:spPr>
-        </p:pic>
-        <p:sp>
-          <p:nvSpPr>
-            <p:cNvPr id="44" name="Textfeld 43">
-              <a:extLst>
-                <a:ext uri="{FF2B5EF4-FFF2-40B4-BE49-F238E27FC236}">
-                  <a16:creationId xmlns:a16="http://schemas.microsoft.com/office/drawing/2014/main" id="{917773B7-62C0-0443-00E0-8FF1D8BEBE45}"/>
-                </a:ext>
-              </a:extLst>
-            </p:cNvPr>
-            <p:cNvSpPr txBox="1"/>
-            <p:nvPr userDrawn="1"/>
-          </p:nvSpPr>
-          <p:spPr>
-            <a:xfrm>
-              <a:off x="565824" y="3055834"/>
-              <a:ext cx="3396577" cy="246221"/>
-            </a:xfrm>
-            <a:prstGeom prst="rect">
-              <a:avLst/>
-            </a:prstGeom>
-            <a:noFill/>
-            <a:ln>
-              <a:noFill/>
-            </a:ln>
-          </p:spPr>
-          <p:txBody>
-            <a:bodyPr wrap="square" lIns="360000" tIns="0" bIns="0">
-              <a:spAutoFit/>
-            </a:bodyPr>
-            <a:lstStyle/>
-            <a:p>
-              <a:pPr>
-                <a:spcBef>
-                  <a:spcPct val="0"/>
-                </a:spcBef>
-                <a:spcAft>
-                  <a:spcPct val="0"/>
-                </a:spcAft>
-              </a:pPr>
-              <a:r>
-                <a:rPr lang="de-DE" sz="1600" b="1" kern="0" dirty="0" err="1">
-                  <a:solidFill>
-                    <a:schemeClr val="bg1"/>
-                  </a:solidFill>
-                  <a:latin typeface="Arial" panose="020B0604020202020204"/>
-                </a:rPr>
-                <a:t>Our</a:t>
-              </a:r>
-              <a:r>
-                <a:rPr lang="de-DE" sz="1600" b="1" kern="0" dirty="0">
-                  <a:solidFill>
-                    <a:schemeClr val="bg1"/>
-                  </a:solidFill>
-                  <a:latin typeface="Arial" panose="020B0604020202020204"/>
-                </a:rPr>
-                <a:t> Solution Concept</a:t>
-              </a:r>
-            </a:p>
-          </p:txBody>
-        </p:sp>
-      </p:grpSp>
-      <p:grpSp>
-        <p:nvGrpSpPr>
-          <p:cNvPr id="63" name="Gruppieren 62">
-            <a:extLst>
-              <a:ext uri="{FF2B5EF4-FFF2-40B4-BE49-F238E27FC236}">
-                <a16:creationId xmlns:a16="http://schemas.microsoft.com/office/drawing/2014/main" id="{B9E6E3AF-815D-F8F3-7EA0-E94D7808EA90}"/>
-              </a:ext>
-            </a:extLst>
-          </p:cNvPr>
-          <p:cNvGrpSpPr/>
-          <p:nvPr userDrawn="1"/>
-        </p:nvGrpSpPr>
-        <p:grpSpPr>
-          <a:xfrm>
-            <a:off x="349823" y="4561080"/>
-            <a:ext cx="5744986" cy="432000"/>
-            <a:chOff x="-6089077" y="2729523"/>
-            <a:chExt cx="5744986" cy="432000"/>
-          </a:xfrm>
-        </p:grpSpPr>
-        <p:sp>
-          <p:nvSpPr>
-            <p:cNvPr id="57" name="Parallelogramm 56">
-              <a:extLst>
-                <a:ext uri="{FF2B5EF4-FFF2-40B4-BE49-F238E27FC236}">
-                  <a16:creationId xmlns:a16="http://schemas.microsoft.com/office/drawing/2014/main" id="{5369A5B8-E284-835C-8BD9-5EF5A1A452BC}"/>
-                </a:ext>
-              </a:extLst>
-            </p:cNvPr>
-            <p:cNvSpPr/>
-            <p:nvPr userDrawn="1"/>
-          </p:nvSpPr>
-          <p:spPr>
-            <a:xfrm>
-              <a:off x="-5873076" y="2786061"/>
-              <a:ext cx="5528985" cy="318924"/>
-            </a:xfrm>
-            <a:prstGeom prst="parallelogram">
-              <a:avLst>
-                <a:gd name="adj" fmla="val 44911"/>
-              </a:avLst>
-            </a:prstGeom>
-            <a:solidFill>
-              <a:schemeClr val="tx2"/>
-            </a:solidFill>
-          </p:spPr>
-          <p:txBody>
-            <a:bodyPr rot="0" spcFirstLastPara="0" vertOverflow="overflow" horzOverflow="overflow" vert="horz" wrap="none" lIns="360000" tIns="36000" rIns="0" bIns="36000" numCol="1" spcCol="0" rtlCol="0" fromWordArt="0" anchor="ctr" anchorCtr="0" forceAA="0" compatLnSpc="1">
-              <a:prstTxWarp prst="textNoShape">
-                <a:avLst/>
-              </a:prstTxWarp>
-              <a:noAutofit/>
-            </a:bodyPr>
-            <a:lstStyle/>
-            <a:p>
-              <a:pPr>
-                <a:spcBef>
-                  <a:spcPct val="0"/>
-                </a:spcBef>
-                <a:spcAft>
-                  <a:spcPct val="0"/>
-                </a:spcAft>
-              </a:pPr>
-              <a:endParaRPr lang="de-DE" sz="1600" b="1" kern="0" dirty="0">
-                <a:solidFill>
-                  <a:schemeClr val="bg1"/>
-                </a:solidFill>
-                <a:latin typeface="Arial" panose="020B0604020202020204"/>
-              </a:endParaRPr>
-            </a:p>
-          </p:txBody>
-        </p:sp>
-        <p:grpSp>
-          <p:nvGrpSpPr>
-            <p:cNvPr id="62" name="Gruppieren 61">
-              <a:extLst>
-                <a:ext uri="{FF2B5EF4-FFF2-40B4-BE49-F238E27FC236}">
-                  <a16:creationId xmlns:a16="http://schemas.microsoft.com/office/drawing/2014/main" id="{5D7ECAB0-C15C-3600-A7AC-DD81408DF5DF}"/>
-                </a:ext>
-              </a:extLst>
-            </p:cNvPr>
-            <p:cNvGrpSpPr/>
-            <p:nvPr userDrawn="1"/>
-          </p:nvGrpSpPr>
-          <p:grpSpPr>
-            <a:xfrm>
-              <a:off x="-6089077" y="2729523"/>
-              <a:ext cx="432000" cy="432000"/>
-              <a:chOff x="-969588" y="3674144"/>
-              <a:chExt cx="432000" cy="432000"/>
-            </a:xfrm>
-          </p:grpSpPr>
-          <p:sp>
-            <p:nvSpPr>
-              <p:cNvPr id="53" name="Ellipse 52">
-                <a:extLst>
-                  <a:ext uri="{FF2B5EF4-FFF2-40B4-BE49-F238E27FC236}">
-                    <a16:creationId xmlns:a16="http://schemas.microsoft.com/office/drawing/2014/main" id="{449819CB-5893-4485-6DA2-957222AF6E7E}"/>
-                  </a:ext>
-                </a:extLst>
-              </p:cNvPr>
-              <p:cNvSpPr/>
-              <p:nvPr userDrawn="1"/>
-            </p:nvSpPr>
-            <p:spPr>
-              <a:xfrm>
-                <a:off x="-969588" y="3674144"/>
-                <a:ext cx="432000" cy="432000"/>
-              </a:xfrm>
-              <a:prstGeom prst="ellipse">
-                <a:avLst/>
-              </a:prstGeom>
-              <a:solidFill>
-                <a:srgbClr val="003366"/>
-              </a:solidFill>
-              <a:ln w="57150">
-                <a:solidFill>
-                  <a:schemeClr val="bg1"/>
-                </a:solidFill>
-              </a:ln>
-            </p:spPr>
-            <p:style>
-              <a:lnRef idx="2">
-                <a:schemeClr val="accent1">
-                  <a:shade val="50000"/>
-                </a:schemeClr>
-              </a:lnRef>
-              <a:fillRef idx="1">
-                <a:schemeClr val="accent1"/>
-              </a:fillRef>
-              <a:effectRef idx="0">
-                <a:schemeClr val="accent1"/>
-              </a:effectRef>
-              <a:fontRef idx="minor">
-                <a:schemeClr val="lt1"/>
-              </a:fontRef>
-            </p:style>
-            <p:txBody>
-              <a:bodyPr rot="0" spcFirstLastPara="0" vertOverflow="overflow" horzOverflow="overflow" vert="horz" wrap="square" lIns="68580" tIns="34290" rIns="68580" bIns="34290" numCol="1" spcCol="0" rtlCol="0" fromWordArt="0" anchor="t" anchorCtr="0" forceAA="0" compatLnSpc="1">
-                <a:prstTxWarp prst="textNoShape">
-                  <a:avLst/>
-                </a:prstTxWarp>
-                <a:noAutofit/>
-              </a:bodyPr>
-              <a:lstStyle/>
-              <a:p>
-                <a:pPr algn="ctr"/>
-                <a:endParaRPr lang="de-DE">
-                  <a:solidFill>
-                    <a:schemeClr val="tx1"/>
-                  </a:solidFill>
-                  <a:latin typeface="Arial" panose="020B0604020202020204" pitchFamily="34" charset="0"/>
-                  <a:cs typeface="Arial" panose="020B0604020202020204" pitchFamily="34" charset="0"/>
-                </a:endParaRPr>
-              </a:p>
-            </p:txBody>
-          </p:sp>
-          <p:pic>
-            <p:nvPicPr>
-              <p:cNvPr id="52" name="Grafik 51" descr="Aufwärtstrend mit einfarbiger Füllung">
-                <a:extLst>
-                  <a:ext uri="{FF2B5EF4-FFF2-40B4-BE49-F238E27FC236}">
-                    <a16:creationId xmlns:a16="http://schemas.microsoft.com/office/drawing/2014/main" id="{70505792-34B2-899B-375C-98C8C4ED27BD}"/>
-                  </a:ext>
-                </a:extLst>
-              </p:cNvPr>
-              <p:cNvPicPr>
-                <a:picLocks noChangeAspect="1"/>
-              </p:cNvPicPr>
-              <p:nvPr/>
-            </p:nvPicPr>
-            <p:blipFill>
-              <a:blip r:embed="rId9" cstate="print">
-                <a:extLst>
-                  <a:ext uri="{28A0092B-C50C-407E-A947-70E740481C1C}">
-                    <a14:useLocalDpi xmlns:a14="http://schemas.microsoft.com/office/drawing/2010/main" val="0"/>
-                  </a:ext>
-                  <a:ext uri="{96DAC541-7B7A-43D3-8B79-37D633B846F1}">
-                    <asvg:svgBlip xmlns:asvg="http://schemas.microsoft.com/office/drawing/2016/SVG/main" r:embed="rId10"/>
-                  </a:ext>
-                </a:extLst>
-              </a:blip>
-              <a:stretch>
-                <a:fillRect/>
-              </a:stretch>
-            </p:blipFill>
-            <p:spPr>
-              <a:xfrm>
-                <a:off x="-868787" y="3774944"/>
-                <a:ext cx="230400" cy="230400"/>
-              </a:xfrm>
-              <a:prstGeom prst="rect">
-                <a:avLst/>
-              </a:prstGeom>
-            </p:spPr>
-          </p:pic>
-        </p:grpSp>
-        <p:sp>
-          <p:nvSpPr>
-            <p:cNvPr id="60" name="Textfeld 59">
-              <a:extLst>
-                <a:ext uri="{FF2B5EF4-FFF2-40B4-BE49-F238E27FC236}">
-                  <a16:creationId xmlns:a16="http://schemas.microsoft.com/office/drawing/2014/main" id="{E3937068-94E5-CCC7-1A40-53573519CBDC}"/>
-                </a:ext>
-              </a:extLst>
-            </p:cNvPr>
-            <p:cNvSpPr txBox="1"/>
-            <p:nvPr userDrawn="1"/>
-          </p:nvSpPr>
-          <p:spPr>
-            <a:xfrm>
-              <a:off x="-5873076" y="2822413"/>
-              <a:ext cx="3396577" cy="246221"/>
-            </a:xfrm>
-            <a:prstGeom prst="rect">
-              <a:avLst/>
-            </a:prstGeom>
-            <a:noFill/>
-            <a:ln>
-              <a:noFill/>
-            </a:ln>
-          </p:spPr>
-          <p:txBody>
-            <a:bodyPr wrap="square" lIns="360000" tIns="0" bIns="0">
-              <a:spAutoFit/>
-            </a:bodyPr>
-            <a:lstStyle/>
-            <a:p>
-              <a:pPr>
-                <a:spcBef>
-                  <a:spcPct val="0"/>
-                </a:spcBef>
-                <a:spcAft>
-                  <a:spcPct val="0"/>
-                </a:spcAft>
-              </a:pPr>
-              <a:r>
-                <a:rPr lang="de-DE" sz="1600" b="1" kern="0" dirty="0">
-                  <a:solidFill>
-                    <a:schemeClr val="bg1"/>
-                  </a:solidFill>
-                  <a:latin typeface="Arial" panose="020B0604020202020204"/>
-                </a:rPr>
-                <a:t>Impact</a:t>
-              </a:r>
-            </a:p>
-          </p:txBody>
-        </p:sp>
-      </p:grpSp>
-    </p:spTree>
-    <p:extLst>
-      <p:ext uri="{BB962C8B-B14F-4D97-AF65-F5344CB8AC3E}">
-        <p14:creationId xmlns:p14="http://schemas.microsoft.com/office/powerpoint/2010/main" val="2538349368"/>
-      </p:ext>
-    </p:extLst>
-  </p:cSld>
-  <p:clrMapOvr>
-    <a:masterClrMapping/>
-  </p:clrMapOvr>
-  <p:extLst>
-    <p:ext uri="{DCECCB84-F9BA-43D5-87BE-67443E8EF086}">
-      <p15:sldGuideLst xmlns:p15="http://schemas.microsoft.com/office/powerpoint/2012/main">
-        <p15:guide id="1" orient="horz" pos="2001">
-          <p15:clr>
-            <a:srgbClr val="FBAE40"/>
-          </p15:clr>
-        </p15:guide>
-      </p15:sldGuideLst>
-    </p:ext>
-  </p:extLst>
-</p:sldLayout>
-</file>
-
-<file path=ppt/slideLayouts/slideLayout3.xml><?xml version="1.0" encoding="utf-8"?>
-<p:sldLayout xmlns:a="http://schemas.openxmlformats.org/drawingml/2006/main" xmlns:r="http://schemas.openxmlformats.org/officeDocument/2006/relationships" xmlns:p="http://schemas.openxmlformats.org/presentationml/2006/main" preserve="1" userDrawn="1">
   <p:cSld name="1_Use Case (en)">
     <p:spTree>
       <p:nvGrpSpPr>
@@ -6277,7 +2290,7 @@
               </a:spcBef>
               <a:buFont typeface="Arial" panose="020B0604020202020204" pitchFamily="34" charset="0"/>
               <a:buNone/>
-              <a:defRPr sz="1600">
+              <a:defRPr sz="1400">
                 <a:solidFill>
                   <a:schemeClr val="bg1"/>
                 </a:solidFill>
@@ -6404,7 +2417,7 @@
           <a:lstStyle>
             <a:lvl1pPr marL="0" indent="0">
               <a:buNone/>
-              <a:defRPr lang="de-DE" sz="1600" dirty="0" smtClean="0">
+              <a:defRPr lang="de-DE" sz="1400" dirty="0" smtClean="0">
                 <a:solidFill>
                   <a:schemeClr val="bg1"/>
                 </a:solidFill>
@@ -6508,7 +2521,7 @@
           <a:lstStyle>
             <a:lvl1pPr marL="0" indent="0">
               <a:buNone/>
-              <a:defRPr lang="de-DE" sz="1600" dirty="0" smtClean="0">
+              <a:defRPr lang="de-DE" sz="1400" dirty="0" smtClean="0">
                 <a:solidFill>
                   <a:schemeClr val="bg1"/>
                 </a:solidFill>
@@ -6612,7 +2625,7 @@
           <a:lstStyle>
             <a:lvl1pPr marL="0" indent="0">
               <a:buNone/>
-              <a:defRPr lang="de-DE" sz="1600" dirty="0" smtClean="0">
+              <a:defRPr lang="de-DE" sz="1400" dirty="0" smtClean="0">
                 <a:solidFill>
                   <a:schemeClr val="bg1"/>
                 </a:solidFill>
@@ -6815,7 +2828,7 @@
           </p:cNvGraphicFramePr>
           <p:nvPr userDrawn="1">
             <p:custDataLst>
-              <p:tags r:id="rId5"/>
+              <p:tags r:id="rId3"/>
             </p:custDataLst>
             <p:extLst>
               <p:ext uri="{D42A27DB-BD31-4B8C-83A1-F6EECF244321}">
@@ -6832,12 +2845,12 @@
           <a:graphicData uri="http://schemas.openxmlformats.org/presentationml/2006/ole">
             <mc:AlternateContent xmlns:mc="http://schemas.openxmlformats.org/markup-compatibility/2006">
               <mc:Choice xmlns:v="urn:schemas-microsoft-com:vml" Requires="v">
-                <p:oleObj name="think-cell Folie" r:id="rId6" imgW="353" imgH="353" progId="TCLayout.ActiveDocument.1">
+                <p:oleObj name="think-cell Folie" r:id="rId4" imgW="353" imgH="353" progId="TCLayout.ActiveDocument.1">
                   <p:embed/>
                 </p:oleObj>
               </mc:Choice>
               <mc:Fallback>
-                <p:oleObj name="think-cell Folie" r:id="rId6" imgW="353" imgH="353" progId="TCLayout.ActiveDocument.1">
+                <p:oleObj name="think-cell Folie" r:id="rId4" imgW="353" imgH="353" progId="TCLayout.ActiveDocument.1">
                   <p:embed/>
                   <p:pic>
                     <p:nvPicPr>
@@ -6852,7 +2865,7 @@
                       <p:nvPr/>
                     </p:nvPicPr>
                     <p:blipFill>
-                      <a:blip r:embed="rId7"/>
+                      <a:blip r:embed="rId5"/>
                       <a:stretch>
                         <a:fillRect/>
                       </a:stretch>
@@ -6888,13 +2901,13 @@
           <p:nvPr userDrawn="1"/>
         </p:nvPicPr>
         <p:blipFill>
-          <a:blip r:embed="rId8" cstate="print">
+          <a:blip r:embed="rId6" cstate="print">
             <a:extLst>
               <a:ext uri="{28A0092B-C50C-407E-A947-70E740481C1C}">
                 <a14:useLocalDpi xmlns:a14="http://schemas.microsoft.com/office/drawing/2010/main" val="0"/>
               </a:ext>
               <a:ext uri="{96DAC541-7B7A-43D3-8B79-37D633B846F1}">
-                <asvg:svgBlip xmlns:asvg="http://schemas.microsoft.com/office/drawing/2016/SVG/main" r:embed="rId9"/>
+                <asvg:svgBlip xmlns:asvg="http://schemas.microsoft.com/office/drawing/2016/SVG/main" r:embed="rId7"/>
               </a:ext>
             </a:extLst>
           </a:blip>
@@ -7666,9 +3679,7 @@
   </p:cSld>
   <p:clrMap bg1="lt1" tx1="dk1" bg2="lt2" tx2="dk2" accent1="accent1" accent2="accent2" accent3="accent3" accent4="accent4" accent5="accent5" accent6="accent6" hlink="hlink" folHlink="folHlink"/>
   <p:sldLayoutIdLst>
-    <p:sldLayoutId id="2147483960" r:id="rId1"/>
-    <p:sldLayoutId id="2147483959" r:id="rId2"/>
-    <p:sldLayoutId id="2147483958" r:id="rId3"/>
+    <p:sldLayoutId id="2147483958" r:id="rId1"/>
   </p:sldLayoutIdLst>
   <p:txStyles>
     <p:titleStyle>
@@ -8147,10 +4158,9 @@
           <a:lstStyle/>
           <a:p>
             <a:r>
-              <a:rPr lang="en-US" dirty="0" err="1"/>
-              <a:t>Lösungskonzept</a:t>
+              <a:rPr lang="en-US" dirty="0"/>
+              <a:t>Solution concept</a:t>
             </a:r>
-            <a:endParaRPr lang="en-US" dirty="0"/>
           </a:p>
         </p:txBody>
       </p:sp>
@@ -8181,10 +4191,9 @@
           <a:lstStyle/>
           <a:p>
             <a:r>
-              <a:rPr lang="en-US" dirty="0" err="1"/>
-              <a:t>Ausgangssituation</a:t>
+              <a:rPr lang="en-US" dirty="0"/>
+              <a:t>Initial situation</a:t>
             </a:r>
-            <a:endParaRPr lang="en-US" dirty="0"/>
           </a:p>
         </p:txBody>
       </p:sp>
@@ -8248,9 +4257,10 @@
           <a:lstStyle/>
           <a:p>
             <a:r>
-              <a:rPr lang="en-US" dirty="0"/>
-              <a:t>Branche</a:t>
+              <a:rPr lang="en-US"/>
+              <a:t>Industry</a:t>
             </a:r>
+            <a:endParaRPr lang="en-US" dirty="0"/>
           </a:p>
         </p:txBody>
       </p:sp>
@@ -8665,18 +4675,6 @@
 </file>
 
 <file path=ppt/tags/tag4.xml><?xml version="1.0" encoding="utf-8"?>
-<p:tagLst xmlns:a="http://schemas.openxmlformats.org/drawingml/2006/main" xmlns:r="http://schemas.openxmlformats.org/officeDocument/2006/relationships" xmlns:p="http://schemas.openxmlformats.org/presentationml/2006/main">
-  <p:tag name="THINKCELLSHAPEDONOTDELETE" val="thinkcellActiveDocDoNotDelete"/>
-</p:tagLst>
-</file>
-
-<file path=ppt/tags/tag5.xml><?xml version="1.0" encoding="utf-8"?>
-<p:tagLst xmlns:a="http://schemas.openxmlformats.org/drawingml/2006/main" xmlns:r="http://schemas.openxmlformats.org/officeDocument/2006/relationships" xmlns:p="http://schemas.openxmlformats.org/presentationml/2006/main">
-  <p:tag name="THINKCELLSHAPEDONOTDELETE" val="thinkcellActiveDocDoNotDelete"/>
-</p:tagLst>
-</file>
-
-<file path=ppt/tags/tag6.xml><?xml version="1.0" encoding="utf-8"?>
 <p:tagLst xmlns:a="http://schemas.openxmlformats.org/drawingml/2006/main" xmlns:r="http://schemas.openxmlformats.org/officeDocument/2006/relationships" xmlns:p="http://schemas.openxmlformats.org/presentationml/2006/main">
   <p:tag name="THINKCELLSHAPEDONOTDELETE" val="thinkcellActiveDocDoNotDelete"/>
 </p:tagLst>
@@ -9634,36 +5632,12 @@
 </file>
 
 <file path=customXml/item1.xml><?xml version="1.0" encoding="utf-8"?>
-<p:properties xmlns:p="http://schemas.microsoft.com/office/2006/metadata/properties" xmlns:xsi="http://www.w3.org/2001/XMLSchema-instance" xmlns:pc="http://schemas.microsoft.com/office/infopath/2007/PartnerControls">
-  <documentManagement>
-    <SharedWithUsers xmlns="3fb8dc1b-9d59-4105-bc07-f1f968f5154f">
-      <UserInfo>
-        <DisplayName>Budelmann, Enno</DisplayName>
-        <AccountId>12</AccountId>
-        <AccountType/>
-      </UserInfo>
-      <UserInfo>
-        <DisplayName>SharingLinks.3068ac1d-a568-467f-a8c0-63ecd7162cbd.OrganizationEdit.ce5b78f9-ebba-4333-b65e-3f12b5be2b22</DisplayName>
-        <AccountId>40</AccountId>
-        <AccountType/>
-      </UserInfo>
-      <UserInfo>
-        <DisplayName>Junker, Sebastian</DisplayName>
-        <AccountId>15</AccountId>
-        <AccountType/>
-      </UserInfo>
-      <UserInfo>
-        <DisplayName>Bunk, Justus</DisplayName>
-        <AccountId>201</AccountId>
-        <AccountType/>
-      </UserInfo>
-    </SharedWithUsers>
-    <lcf76f155ced4ddcb4097134ff3c332f xmlns="5b6c06b5-1db8-4c81-aedd-b1bde2b8bfd2">
-      <Terms xmlns="http://schemas.microsoft.com/office/infopath/2007/PartnerControls"/>
-    </lcf76f155ced4ddcb4097134ff3c332f>
-    <TaxCatchAll xmlns="3fb8dc1b-9d59-4105-bc07-f1f968f5154f" xsi:nil="true"/>
-  </documentManagement>
-</p:properties>
+<?mso-contentType ?>
+<FormTemplates xmlns="http://schemas.microsoft.com/sharepoint/v3/contenttype/forms">
+  <Display>DocumentLibraryForm</Display>
+  <Edit>DocumentLibraryForm</Edit>
+  <New>DocumentLibraryForm</New>
+</FormTemplates>
 </file>
 
 <file path=customXml/item2.xml><?xml version="1.0" encoding="utf-8"?>
@@ -9922,27 +5896,42 @@
 </file>
 
 <file path=customXml/item3.xml><?xml version="1.0" encoding="utf-8"?>
-<?mso-contentType ?>
-<FormTemplates xmlns="http://schemas.microsoft.com/sharepoint/v3/contenttype/forms">
-  <Display>DocumentLibraryForm</Display>
-  <Edit>DocumentLibraryForm</Edit>
-  <New>DocumentLibraryForm</New>
-</FormTemplates>
+<p:properties xmlns:p="http://schemas.microsoft.com/office/2006/metadata/properties" xmlns:xsi="http://www.w3.org/2001/XMLSchema-instance" xmlns:pc="http://schemas.microsoft.com/office/infopath/2007/PartnerControls">
+  <documentManagement>
+    <SharedWithUsers xmlns="3fb8dc1b-9d59-4105-bc07-f1f968f5154f">
+      <UserInfo>
+        <DisplayName>Budelmann, Enno</DisplayName>
+        <AccountId>12</AccountId>
+        <AccountType/>
+      </UserInfo>
+      <UserInfo>
+        <DisplayName>SharingLinks.3068ac1d-a568-467f-a8c0-63ecd7162cbd.OrganizationEdit.ce5b78f9-ebba-4333-b65e-3f12b5be2b22</DisplayName>
+        <AccountId>40</AccountId>
+        <AccountType/>
+      </UserInfo>
+      <UserInfo>
+        <DisplayName>Junker, Sebastian</DisplayName>
+        <AccountId>15</AccountId>
+        <AccountType/>
+      </UserInfo>
+      <UserInfo>
+        <DisplayName>Bunk, Justus</DisplayName>
+        <AccountId>201</AccountId>
+        <AccountType/>
+      </UserInfo>
+    </SharedWithUsers>
+    <lcf76f155ced4ddcb4097134ff3c332f xmlns="5b6c06b5-1db8-4c81-aedd-b1bde2b8bfd2">
+      <Terms xmlns="http://schemas.microsoft.com/office/infopath/2007/PartnerControls"/>
+    </lcf76f155ced4ddcb4097134ff3c332f>
+    <TaxCatchAll xmlns="3fb8dc1b-9d59-4105-bc07-f1f968f5154f" xsi:nil="true"/>
+  </documentManagement>
+</p:properties>
 </file>
 
 <file path=customXml/itemProps1.xml><?xml version="1.0" encoding="utf-8"?>
-<ds:datastoreItem xmlns:ds="http://schemas.openxmlformats.org/officeDocument/2006/customXml" ds:itemID="{3834EEC2-295B-443A-8029-DF87F749AE1B}">
+<ds:datastoreItem xmlns:ds="http://schemas.openxmlformats.org/officeDocument/2006/customXml" ds:itemID="{A76FA841-F04D-4D27-A487-F98BD028EA91}">
   <ds:schemaRefs>
-    <ds:schemaRef ds:uri="3fb8dc1b-9d59-4105-bc07-f1f968f5154f"/>
-    <ds:schemaRef ds:uri="5b6c06b5-1db8-4c81-aedd-b1bde2b8bfd2"/>
-    <ds:schemaRef ds:uri="http://purl.org/dc/dcmitype/"/>
-    <ds:schemaRef ds:uri="http://purl.org/dc/elements/1.1/"/>
-    <ds:schemaRef ds:uri="http://purl.org/dc/terms/"/>
-    <ds:schemaRef ds:uri="http://schemas.microsoft.com/office/2006/documentManagement/types"/>
-    <ds:schemaRef ds:uri="http://schemas.microsoft.com/office/2006/metadata/properties"/>
-    <ds:schemaRef ds:uri="http://schemas.microsoft.com/office/infopath/2007/PartnerControls"/>
-    <ds:schemaRef ds:uri="http://schemas.openxmlformats.org/package/2006/metadata/core-properties"/>
-    <ds:schemaRef ds:uri="http://www.w3.org/XML/1998/namespace"/>
+    <ds:schemaRef ds:uri="http://schemas.microsoft.com/sharepoint/v3/contenttype/forms"/>
   </ds:schemaRefs>
 </ds:datastoreItem>
 </file>
@@ -9967,9 +5956,18 @@
 </file>
 
 <file path=customXml/itemProps3.xml><?xml version="1.0" encoding="utf-8"?>
-<ds:datastoreItem xmlns:ds="http://schemas.openxmlformats.org/officeDocument/2006/customXml" ds:itemID="{A76FA841-F04D-4D27-A487-F98BD028EA91}">
+<ds:datastoreItem xmlns:ds="http://schemas.openxmlformats.org/officeDocument/2006/customXml" ds:itemID="{3834EEC2-295B-443A-8029-DF87F749AE1B}">
   <ds:schemaRefs>
-    <ds:schemaRef ds:uri="http://schemas.microsoft.com/sharepoint/v3/contenttype/forms"/>
+    <ds:schemaRef ds:uri="3fb8dc1b-9d59-4105-bc07-f1f968f5154f"/>
+    <ds:schemaRef ds:uri="5b6c06b5-1db8-4c81-aedd-b1bde2b8bfd2"/>
+    <ds:schemaRef ds:uri="http://purl.org/dc/dcmitype/"/>
+    <ds:schemaRef ds:uri="http://purl.org/dc/elements/1.1/"/>
+    <ds:schemaRef ds:uri="http://purl.org/dc/terms/"/>
+    <ds:schemaRef ds:uri="http://schemas.microsoft.com/office/2006/documentManagement/types"/>
+    <ds:schemaRef ds:uri="http://schemas.microsoft.com/office/2006/metadata/properties"/>
+    <ds:schemaRef ds:uri="http://schemas.microsoft.com/office/infopath/2007/PartnerControls"/>
+    <ds:schemaRef ds:uri="http://schemas.openxmlformats.org/package/2006/metadata/core-properties"/>
+    <ds:schemaRef ds:uri="http://www.w3.org/XML/1998/namespace"/>
   </ds:schemaRefs>
 </ds:datastoreItem>
 </file>
--- a/case_study_template_2_16_9_en.pptx
+++ b/case_study_template_2_16_9_en.pptx
@@ -137,12 +137,12 @@
   <pc:docChgLst>
     <pc:chgData name="vonWaldow, Ulrich" userId="c64b3fe1-2fbf-4408-adc4-30add62e991f" providerId="ADAL" clId="{CEDD6EA2-EECD-493A-A37C-E0006BFF8DD1}"/>
     <pc:docChg chg="custSel addSld delSld modSld modMainMaster replTag">
-      <pc:chgData name="vonWaldow, Ulrich" userId="c64b3fe1-2fbf-4408-adc4-30add62e991f" providerId="ADAL" clId="{CEDD6EA2-EECD-493A-A37C-E0006BFF8DD1}" dt="2024-09-06T08:58:07.559" v="67" actId="20577"/>
+      <pc:chgData name="vonWaldow, Ulrich" userId="c64b3fe1-2fbf-4408-adc4-30add62e991f" providerId="ADAL" clId="{CEDD6EA2-EECD-493A-A37C-E0006BFF8DD1}" dt="2024-09-09T12:31:20.958" v="69" actId="20577"/>
       <pc:docMkLst>
         <pc:docMk/>
       </pc:docMkLst>
       <pc:sldChg chg="modSp mod modShow">
-        <pc:chgData name="vonWaldow, Ulrich" userId="c64b3fe1-2fbf-4408-adc4-30add62e991f" providerId="ADAL" clId="{CEDD6EA2-EECD-493A-A37C-E0006BFF8DD1}" dt="2024-09-06T08:58:07.559" v="67" actId="20577"/>
+        <pc:chgData name="vonWaldow, Ulrich" userId="c64b3fe1-2fbf-4408-adc4-30add62e991f" providerId="ADAL" clId="{CEDD6EA2-EECD-493A-A37C-E0006BFF8DD1}" dt="2024-09-09T12:31:20.958" v="69" actId="20577"/>
         <pc:sldMkLst>
           <pc:docMk/>
           <pc:sldMk cId="2116952522" sldId="260"/>
@@ -180,7 +180,7 @@
           </ac:spMkLst>
         </pc:spChg>
         <pc:spChg chg="mod">
-          <ac:chgData name="vonWaldow, Ulrich" userId="c64b3fe1-2fbf-4408-adc4-30add62e991f" providerId="ADAL" clId="{CEDD6EA2-EECD-493A-A37C-E0006BFF8DD1}" dt="2024-09-06T08:58:07.559" v="67" actId="20577"/>
+          <ac:chgData name="vonWaldow, Ulrich" userId="c64b3fe1-2fbf-4408-adc4-30add62e991f" providerId="ADAL" clId="{CEDD6EA2-EECD-493A-A37C-E0006BFF8DD1}" dt="2024-09-09T12:31:20.958" v="69" actId="20577"/>
           <ac:spMkLst>
             <pc:docMk/>
             <pc:sldMk cId="2116952522" sldId="260"/>
@@ -479,7 +479,7 @@
           <a:p>
             <a:fld id="{8CADF67D-6B33-4511-8215-1BAA75E9A259}" type="datetimeFigureOut">
               <a:rPr lang="de-DE" smtClean="0"/>
-              <a:t>06.09.2024</a:t>
+              <a:t>09.09.2024</a:t>
             </a:fld>
             <a:endParaRPr lang="de-DE"/>
           </a:p>
@@ -656,7 +656,7 @@
           <a:p>
             <a:fld id="{29BB4B0D-3BE5-4B36-92D1-1D1058870271}" type="datetimeFigureOut">
               <a:rPr lang="de-DE" smtClean="0"/>
-              <a:t>06.09.2024</a:t>
+              <a:t>09.09.2024</a:t>
             </a:fld>
             <a:endParaRPr lang="de-DE"/>
           </a:p>
@@ -4258,9 +4258,8 @@
           <a:p>
             <a:r>
               <a:rPr lang="en-US"/>
-              <a:t>Industry</a:t>
+              <a:t>Industry | Company description</a:t>
             </a:r>
-            <a:endParaRPr lang="en-US" dirty="0"/>
           </a:p>
         </p:txBody>
       </p:sp>
@@ -5632,12 +5631,36 @@
 </file>
 
 <file path=customXml/item1.xml><?xml version="1.0" encoding="utf-8"?>
-<?mso-contentType ?>
-<FormTemplates xmlns="http://schemas.microsoft.com/sharepoint/v3/contenttype/forms">
-  <Display>DocumentLibraryForm</Display>
-  <Edit>DocumentLibraryForm</Edit>
-  <New>DocumentLibraryForm</New>
-</FormTemplates>
+<p:properties xmlns:p="http://schemas.microsoft.com/office/2006/metadata/properties" xmlns:xsi="http://www.w3.org/2001/XMLSchema-instance" xmlns:pc="http://schemas.microsoft.com/office/infopath/2007/PartnerControls">
+  <documentManagement>
+    <SharedWithUsers xmlns="3fb8dc1b-9d59-4105-bc07-f1f968f5154f">
+      <UserInfo>
+        <DisplayName>Budelmann, Enno</DisplayName>
+        <AccountId>12</AccountId>
+        <AccountType/>
+      </UserInfo>
+      <UserInfo>
+        <DisplayName>SharingLinks.3068ac1d-a568-467f-a8c0-63ecd7162cbd.OrganizationEdit.ce5b78f9-ebba-4333-b65e-3f12b5be2b22</DisplayName>
+        <AccountId>40</AccountId>
+        <AccountType/>
+      </UserInfo>
+      <UserInfo>
+        <DisplayName>Junker, Sebastian</DisplayName>
+        <AccountId>15</AccountId>
+        <AccountType/>
+      </UserInfo>
+      <UserInfo>
+        <DisplayName>Bunk, Justus</DisplayName>
+        <AccountId>201</AccountId>
+        <AccountType/>
+      </UserInfo>
+    </SharedWithUsers>
+    <lcf76f155ced4ddcb4097134ff3c332f xmlns="5b6c06b5-1db8-4c81-aedd-b1bde2b8bfd2">
+      <Terms xmlns="http://schemas.microsoft.com/office/infopath/2007/PartnerControls"/>
+    </lcf76f155ced4ddcb4097134ff3c332f>
+    <TaxCatchAll xmlns="3fb8dc1b-9d59-4105-bc07-f1f968f5154f" xsi:nil="true"/>
+  </documentManagement>
+</p:properties>
 </file>
 
 <file path=customXml/item2.xml><?xml version="1.0" encoding="utf-8"?>
@@ -5896,42 +5919,27 @@
 </file>
 
 <file path=customXml/item3.xml><?xml version="1.0" encoding="utf-8"?>
-<p:properties xmlns:p="http://schemas.microsoft.com/office/2006/metadata/properties" xmlns:xsi="http://www.w3.org/2001/XMLSchema-instance" xmlns:pc="http://schemas.microsoft.com/office/infopath/2007/PartnerControls">
-  <documentManagement>
-    <SharedWithUsers xmlns="3fb8dc1b-9d59-4105-bc07-f1f968f5154f">
-      <UserInfo>
-        <DisplayName>Budelmann, Enno</DisplayName>
-        <AccountId>12</AccountId>
-        <AccountType/>
-      </UserInfo>
-      <UserInfo>
-        <DisplayName>SharingLinks.3068ac1d-a568-467f-a8c0-63ecd7162cbd.OrganizationEdit.ce5b78f9-ebba-4333-b65e-3f12b5be2b22</DisplayName>
-        <AccountId>40</AccountId>
-        <AccountType/>
-      </UserInfo>
-      <UserInfo>
-        <DisplayName>Junker, Sebastian</DisplayName>
-        <AccountId>15</AccountId>
-        <AccountType/>
-      </UserInfo>
-      <UserInfo>
-        <DisplayName>Bunk, Justus</DisplayName>
-        <AccountId>201</AccountId>
-        <AccountType/>
-      </UserInfo>
-    </SharedWithUsers>
-    <lcf76f155ced4ddcb4097134ff3c332f xmlns="5b6c06b5-1db8-4c81-aedd-b1bde2b8bfd2">
-      <Terms xmlns="http://schemas.microsoft.com/office/infopath/2007/PartnerControls"/>
-    </lcf76f155ced4ddcb4097134ff3c332f>
-    <TaxCatchAll xmlns="3fb8dc1b-9d59-4105-bc07-f1f968f5154f" xsi:nil="true"/>
-  </documentManagement>
-</p:properties>
+<?mso-contentType ?>
+<FormTemplates xmlns="http://schemas.microsoft.com/sharepoint/v3/contenttype/forms">
+  <Display>DocumentLibraryForm</Display>
+  <Edit>DocumentLibraryForm</Edit>
+  <New>DocumentLibraryForm</New>
+</FormTemplates>
 </file>
 
 <file path=customXml/itemProps1.xml><?xml version="1.0" encoding="utf-8"?>
-<ds:datastoreItem xmlns:ds="http://schemas.openxmlformats.org/officeDocument/2006/customXml" ds:itemID="{A76FA841-F04D-4D27-A487-F98BD028EA91}">
+<ds:datastoreItem xmlns:ds="http://schemas.openxmlformats.org/officeDocument/2006/customXml" ds:itemID="{3834EEC2-295B-443A-8029-DF87F749AE1B}">
   <ds:schemaRefs>
-    <ds:schemaRef ds:uri="http://schemas.microsoft.com/sharepoint/v3/contenttype/forms"/>
+    <ds:schemaRef ds:uri="3fb8dc1b-9d59-4105-bc07-f1f968f5154f"/>
+    <ds:schemaRef ds:uri="5b6c06b5-1db8-4c81-aedd-b1bde2b8bfd2"/>
+    <ds:schemaRef ds:uri="http://purl.org/dc/dcmitype/"/>
+    <ds:schemaRef ds:uri="http://purl.org/dc/elements/1.1/"/>
+    <ds:schemaRef ds:uri="http://purl.org/dc/terms/"/>
+    <ds:schemaRef ds:uri="http://schemas.microsoft.com/office/2006/documentManagement/types"/>
+    <ds:schemaRef ds:uri="http://schemas.microsoft.com/office/2006/metadata/properties"/>
+    <ds:schemaRef ds:uri="http://schemas.microsoft.com/office/infopath/2007/PartnerControls"/>
+    <ds:schemaRef ds:uri="http://schemas.openxmlformats.org/package/2006/metadata/core-properties"/>
+    <ds:schemaRef ds:uri="http://www.w3.org/XML/1998/namespace"/>
   </ds:schemaRefs>
 </ds:datastoreItem>
 </file>
@@ -5956,18 +5964,9 @@
 </file>
 
 <file path=customXml/itemProps3.xml><?xml version="1.0" encoding="utf-8"?>
-<ds:datastoreItem xmlns:ds="http://schemas.openxmlformats.org/officeDocument/2006/customXml" ds:itemID="{3834EEC2-295B-443A-8029-DF87F749AE1B}">
+<ds:datastoreItem xmlns:ds="http://schemas.openxmlformats.org/officeDocument/2006/customXml" ds:itemID="{A76FA841-F04D-4D27-A487-F98BD028EA91}">
   <ds:schemaRefs>
-    <ds:schemaRef ds:uri="3fb8dc1b-9d59-4105-bc07-f1f968f5154f"/>
-    <ds:schemaRef ds:uri="5b6c06b5-1db8-4c81-aedd-b1bde2b8bfd2"/>
-    <ds:schemaRef ds:uri="http://purl.org/dc/dcmitype/"/>
-    <ds:schemaRef ds:uri="http://purl.org/dc/elements/1.1/"/>
-    <ds:schemaRef ds:uri="http://purl.org/dc/terms/"/>
-    <ds:schemaRef ds:uri="http://schemas.microsoft.com/office/2006/documentManagement/types"/>
-    <ds:schemaRef ds:uri="http://schemas.microsoft.com/office/2006/metadata/properties"/>
-    <ds:schemaRef ds:uri="http://schemas.microsoft.com/office/infopath/2007/PartnerControls"/>
-    <ds:schemaRef ds:uri="http://schemas.openxmlformats.org/package/2006/metadata/core-properties"/>
-    <ds:schemaRef ds:uri="http://www.w3.org/XML/1998/namespace"/>
+    <ds:schemaRef ds:uri="http://schemas.microsoft.com/sharepoint/v3/contenttype/forms"/>
   </ds:schemaRefs>
 </ds:datastoreItem>
 </file>